--- a/기획서/당근키우기 콘텐츠 양식.pptx
+++ b/기획서/당근키우기 콘텐츠 양식.pptx
@@ -5,14 +5,16 @@
     <p:sldMasterId id="2147483648" r:id="rId1"/>
   </p:sldMasterIdLst>
   <p:notesMasterIdLst>
-    <p:notesMasterId r:id="rId7"/>
+    <p:notesMasterId r:id="rId9"/>
   </p:notesMasterIdLst>
   <p:sldIdLst>
     <p:sldId id="312" r:id="rId2"/>
     <p:sldId id="346" r:id="rId3"/>
-    <p:sldId id="319" r:id="rId4"/>
-    <p:sldId id="347" r:id="rId5"/>
-    <p:sldId id="348" r:id="rId6"/>
+    <p:sldId id="313" r:id="rId4"/>
+    <p:sldId id="349" r:id="rId5"/>
+    <p:sldId id="319" r:id="rId6"/>
+    <p:sldId id="347" r:id="rId7"/>
+    <p:sldId id="350" r:id="rId8"/>
   </p:sldIdLst>
   <p:sldSz cx="12192000" cy="6858000"/>
   <p:notesSz cx="6858000" cy="9144000"/>
@@ -111,6 +113,11 @@
       </a:defRPr>
     </a:lvl9pPr>
   </p:defaultTextStyle>
+  <p:extLst>
+    <p:ext uri="{EFAFB233-063F-42B5-8137-9DF3F51BA10A}">
+      <p15:sldGuideLst xmlns:p15="http://schemas.microsoft.com/office/powerpoint/2012/main"/>
+    </p:ext>
+  </p:extLst>
 </p:presentation>
 </file>
 
@@ -196,7 +203,7 @@
           <a:p>
             <a:fld id="{282D885C-0E0E-4A86-94BA-2BA99F06C270}" type="datetimeFigureOut">
               <a:rPr lang="ko-KR" altLang="en-US" smtClean="0"/>
-              <a:t>2020-09-19</a:t>
+              <a:t>2020-09-24</a:t>
             </a:fld>
             <a:endParaRPr lang="ko-KR" altLang="en-US"/>
           </a:p>
@@ -531,7 +538,7 @@
           <a:p>
             <a:fld id="{151FD798-7848-4816-945D-B2937F5A900D}" type="slidenum">
               <a:rPr lang="ko-KR" altLang="en-US" smtClean="0"/>
-              <a:t>3</a:t>
+              <a:t>4</a:t>
             </a:fld>
             <a:endParaRPr lang="ko-KR" altLang="en-US"/>
           </a:p>
@@ -540,7 +547,7 @@
     </p:spTree>
     <p:extLst>
       <p:ext uri="{BB962C8B-B14F-4D97-AF65-F5344CB8AC3E}">
-        <p14:creationId xmlns:p14="http://schemas.microsoft.com/office/powerpoint/2010/main" val="819949168"/>
+        <p14:creationId xmlns:p14="http://schemas.microsoft.com/office/powerpoint/2010/main" val="3516124301"/>
       </p:ext>
     </p:extLst>
   </p:cSld>
@@ -618,7 +625,7 @@
           <a:p>
             <a:fld id="{151FD798-7848-4816-945D-B2937F5A900D}" type="slidenum">
               <a:rPr lang="ko-KR" altLang="en-US" smtClean="0"/>
-              <a:t>4</a:t>
+              <a:t>5</a:t>
             </a:fld>
             <a:endParaRPr lang="ko-KR" altLang="en-US"/>
           </a:p>
@@ -627,7 +634,7 @@
     </p:spTree>
     <p:extLst>
       <p:ext uri="{BB962C8B-B14F-4D97-AF65-F5344CB8AC3E}">
-        <p14:creationId xmlns:p14="http://schemas.microsoft.com/office/powerpoint/2010/main" val="3808258604"/>
+        <p14:creationId xmlns:p14="http://schemas.microsoft.com/office/powerpoint/2010/main" val="819949168"/>
       </p:ext>
     </p:extLst>
   </p:cSld>
@@ -705,7 +712,7 @@
           <a:p>
             <a:fld id="{151FD798-7848-4816-945D-B2937F5A900D}" type="slidenum">
               <a:rPr lang="ko-KR" altLang="en-US" smtClean="0"/>
-              <a:t>5</a:t>
+              <a:t>6</a:t>
             </a:fld>
             <a:endParaRPr lang="ko-KR" altLang="en-US"/>
           </a:p>
@@ -714,7 +721,94 @@
     </p:spTree>
     <p:extLst>
       <p:ext uri="{BB962C8B-B14F-4D97-AF65-F5344CB8AC3E}">
-        <p14:creationId xmlns:p14="http://schemas.microsoft.com/office/powerpoint/2010/main" val="3117226571"/>
+        <p14:creationId xmlns:p14="http://schemas.microsoft.com/office/powerpoint/2010/main" val="3808258604"/>
+      </p:ext>
+    </p:extLst>
+  </p:cSld>
+  <p:clrMapOvr>
+    <a:masterClrMapping/>
+  </p:clrMapOvr>
+</p:notes>
+</file>
+
+<file path=ppt/notesSlides/notesSlide4.xml><?xml version="1.0" encoding="utf-8"?>
+<p:notes xmlns:a="http://schemas.openxmlformats.org/drawingml/2006/main" xmlns:r="http://schemas.openxmlformats.org/officeDocument/2006/relationships" xmlns:p="http://schemas.openxmlformats.org/presentationml/2006/main">
+  <p:cSld>
+    <p:spTree>
+      <p:nvGrpSpPr>
+        <p:cNvPr id="1" name=""/>
+        <p:cNvGrpSpPr/>
+        <p:nvPr/>
+      </p:nvGrpSpPr>
+      <p:grpSpPr>
+        <a:xfrm>
+          <a:off x="0" y="0"/>
+          <a:ext cx="0" cy="0"/>
+          <a:chOff x="0" y="0"/>
+          <a:chExt cx="0" cy="0"/>
+        </a:xfrm>
+      </p:grpSpPr>
+      <p:sp>
+        <p:nvSpPr>
+          <p:cNvPr id="2" name="슬라이드 이미지 개체 틀 1"/>
+          <p:cNvSpPr>
+            <a:spLocks noGrp="1" noRot="1" noChangeAspect="1"/>
+          </p:cNvSpPr>
+          <p:nvPr>
+            <p:ph type="sldImg"/>
+          </p:nvPr>
+        </p:nvSpPr>
+        <p:spPr/>
+      </p:sp>
+      <p:sp>
+        <p:nvSpPr>
+          <p:cNvPr id="3" name="슬라이드 노트 개체 틀 2"/>
+          <p:cNvSpPr>
+            <a:spLocks noGrp="1"/>
+          </p:cNvSpPr>
+          <p:nvPr>
+            <p:ph type="body" idx="1"/>
+          </p:nvPr>
+        </p:nvSpPr>
+        <p:spPr/>
+        <p:txBody>
+          <a:bodyPr/>
+          <a:lstStyle/>
+          <a:p>
+            <a:pPr marL="0" indent="0">
+              <a:buNone/>
+            </a:pPr>
+            <a:endParaRPr lang="en-US" altLang="ko-KR" dirty="0"/>
+          </a:p>
+        </p:txBody>
+      </p:sp>
+      <p:sp>
+        <p:nvSpPr>
+          <p:cNvPr id="4" name="슬라이드 번호 개체 틀 3"/>
+          <p:cNvSpPr>
+            <a:spLocks noGrp="1"/>
+          </p:cNvSpPr>
+          <p:nvPr>
+            <p:ph type="sldNum" sz="quarter" idx="5"/>
+          </p:nvPr>
+        </p:nvSpPr>
+        <p:spPr/>
+        <p:txBody>
+          <a:bodyPr/>
+          <a:lstStyle/>
+          <a:p>
+            <a:fld id="{151FD798-7848-4816-945D-B2937F5A900D}" type="slidenum">
+              <a:rPr lang="ko-KR" altLang="en-US" smtClean="0"/>
+              <a:t>7</a:t>
+            </a:fld>
+            <a:endParaRPr lang="ko-KR" altLang="en-US"/>
+          </a:p>
+        </p:txBody>
+      </p:sp>
+    </p:spTree>
+    <p:extLst>
+      <p:ext uri="{BB962C8B-B14F-4D97-AF65-F5344CB8AC3E}">
+        <p14:creationId xmlns:p14="http://schemas.microsoft.com/office/powerpoint/2010/main" val="2224554852"/>
       </p:ext>
     </p:extLst>
   </p:cSld>
@@ -871,7 +965,7 @@
           <a:p>
             <a:fld id="{2D8CC6BB-125A-4322-BFB1-D014CB054D44}" type="datetimeFigureOut">
               <a:rPr lang="ko-KR" altLang="en-US" smtClean="0"/>
-              <a:t>2020-09-19</a:t>
+              <a:t>2020-09-24</a:t>
             </a:fld>
             <a:endParaRPr lang="ko-KR" altLang="en-US"/>
           </a:p>
@@ -1069,7 +1163,7 @@
           <a:p>
             <a:fld id="{2D8CC6BB-125A-4322-BFB1-D014CB054D44}" type="datetimeFigureOut">
               <a:rPr lang="ko-KR" altLang="en-US" smtClean="0"/>
-              <a:t>2020-09-19</a:t>
+              <a:t>2020-09-24</a:t>
             </a:fld>
             <a:endParaRPr lang="ko-KR" altLang="en-US"/>
           </a:p>
@@ -1277,7 +1371,7 @@
           <a:p>
             <a:fld id="{2D8CC6BB-125A-4322-BFB1-D014CB054D44}" type="datetimeFigureOut">
               <a:rPr lang="ko-KR" altLang="en-US" smtClean="0"/>
-              <a:t>2020-09-19</a:t>
+              <a:t>2020-09-24</a:t>
             </a:fld>
             <a:endParaRPr lang="ko-KR" altLang="en-US"/>
           </a:p>
@@ -1475,7 +1569,7 @@
           <a:p>
             <a:fld id="{2D8CC6BB-125A-4322-BFB1-D014CB054D44}" type="datetimeFigureOut">
               <a:rPr lang="ko-KR" altLang="en-US" smtClean="0"/>
-              <a:t>2020-09-19</a:t>
+              <a:t>2020-09-24</a:t>
             </a:fld>
             <a:endParaRPr lang="ko-KR" altLang="en-US"/>
           </a:p>
@@ -1750,7 +1844,7 @@
           <a:p>
             <a:fld id="{2D8CC6BB-125A-4322-BFB1-D014CB054D44}" type="datetimeFigureOut">
               <a:rPr lang="ko-KR" altLang="en-US" smtClean="0"/>
-              <a:t>2020-09-19</a:t>
+              <a:t>2020-09-24</a:t>
             </a:fld>
             <a:endParaRPr lang="ko-KR" altLang="en-US"/>
           </a:p>
@@ -2015,7 +2109,7 @@
           <a:p>
             <a:fld id="{2D8CC6BB-125A-4322-BFB1-D014CB054D44}" type="datetimeFigureOut">
               <a:rPr lang="ko-KR" altLang="en-US" smtClean="0"/>
-              <a:t>2020-09-19</a:t>
+              <a:t>2020-09-24</a:t>
             </a:fld>
             <a:endParaRPr lang="ko-KR" altLang="en-US"/>
           </a:p>
@@ -2427,7 +2521,7 @@
           <a:p>
             <a:fld id="{2D8CC6BB-125A-4322-BFB1-D014CB054D44}" type="datetimeFigureOut">
               <a:rPr lang="ko-KR" altLang="en-US" smtClean="0"/>
-              <a:t>2020-09-19</a:t>
+              <a:t>2020-09-24</a:t>
             </a:fld>
             <a:endParaRPr lang="ko-KR" altLang="en-US"/>
           </a:p>
@@ -2568,7 +2662,7 @@
           <a:p>
             <a:fld id="{2D8CC6BB-125A-4322-BFB1-D014CB054D44}" type="datetimeFigureOut">
               <a:rPr lang="ko-KR" altLang="en-US" smtClean="0"/>
-              <a:t>2020-09-19</a:t>
+              <a:t>2020-09-24</a:t>
             </a:fld>
             <a:endParaRPr lang="ko-KR" altLang="en-US"/>
           </a:p>
@@ -2681,7 +2775,7 @@
           <a:p>
             <a:fld id="{2D8CC6BB-125A-4322-BFB1-D014CB054D44}" type="datetimeFigureOut">
               <a:rPr lang="ko-KR" altLang="en-US" smtClean="0"/>
-              <a:t>2020-09-19</a:t>
+              <a:t>2020-09-24</a:t>
             </a:fld>
             <a:endParaRPr lang="ko-KR" altLang="en-US"/>
           </a:p>
@@ -2992,7 +3086,7 @@
           <a:p>
             <a:fld id="{2D8CC6BB-125A-4322-BFB1-D014CB054D44}" type="datetimeFigureOut">
               <a:rPr lang="ko-KR" altLang="en-US" smtClean="0"/>
-              <a:t>2020-09-19</a:t>
+              <a:t>2020-09-24</a:t>
             </a:fld>
             <a:endParaRPr lang="ko-KR" altLang="en-US"/>
           </a:p>
@@ -3280,7 +3374,7 @@
           <a:p>
             <a:fld id="{2D8CC6BB-125A-4322-BFB1-D014CB054D44}" type="datetimeFigureOut">
               <a:rPr lang="ko-KR" altLang="en-US" smtClean="0"/>
-              <a:t>2020-09-19</a:t>
+              <a:t>2020-09-24</a:t>
             </a:fld>
             <a:endParaRPr lang="ko-KR" altLang="en-US"/>
           </a:p>
@@ -3521,7 +3615,7 @@
           <a:p>
             <a:fld id="{2D8CC6BB-125A-4322-BFB1-D014CB054D44}" type="datetimeFigureOut">
               <a:rPr lang="ko-KR" altLang="en-US" smtClean="0"/>
-              <a:t>2020-09-19</a:t>
+              <a:t>2020-09-24</a:t>
             </a:fld>
             <a:endParaRPr lang="ko-KR" altLang="en-US"/>
           </a:p>
@@ -4189,7 +4283,7 @@
           <p:nvPr>
             <p:extLst>
               <p:ext uri="{D42A27DB-BD31-4B8C-83A1-F6EECF244321}">
-                <p14:modId xmlns:p14="http://schemas.microsoft.com/office/powerpoint/2010/main" val="4230363507"/>
+                <p14:modId xmlns:p14="http://schemas.microsoft.com/office/powerpoint/2010/main" val="691946703"/>
               </p:ext>
             </p:extLst>
           </p:nvPr>
@@ -4599,6 +4693,10 @@
                     <a:lstStyle/>
                     <a:p>
                       <a:pPr latinLnBrk="1"/>
+                      <a:r>
+                        <a:rPr lang="en-US" altLang="ko-KR" dirty="0"/>
+                        <a:t>2020.09.24</a:t>
+                      </a:r>
                       <a:endParaRPr lang="ko-KR" altLang="en-US" dirty="0"/>
                     </a:p>
                   </a:txBody>
@@ -4650,7 +4748,10 @@
                     <a:lstStyle/>
                     <a:p>
                       <a:pPr latinLnBrk="1"/>
-                      <a:endParaRPr lang="ko-KR" altLang="en-US" dirty="0"/>
+                      <a:r>
+                        <a:rPr lang="ko-KR" altLang="en-US" dirty="0"/>
+                        <a:t>스킬 양식 추가</a:t>
+                      </a:r>
                     </a:p>
                   </a:txBody>
                   <a:tcPr>
@@ -5855,6 +5956,256 @@
           <a:chExt cx="0" cy="0"/>
         </a:xfrm>
       </p:grpSpPr>
+      <p:sp>
+        <p:nvSpPr>
+          <p:cNvPr id="5" name="직사각형 4">
+            <a:extLst>
+              <a:ext uri="{FF2B5EF4-FFF2-40B4-BE49-F238E27FC236}">
+                <a16:creationId xmlns:a16="http://schemas.microsoft.com/office/drawing/2014/main" id="{3746ACF5-4AE7-4E6D-820A-B5851B42E672}"/>
+              </a:ext>
+            </a:extLst>
+          </p:cNvPr>
+          <p:cNvSpPr/>
+          <p:nvPr/>
+        </p:nvSpPr>
+        <p:spPr>
+          <a:xfrm>
+            <a:off x="812800" y="1097280"/>
+            <a:ext cx="10287000" cy="5328920"/>
+          </a:xfrm>
+          <a:prstGeom prst="rect">
+            <a:avLst/>
+          </a:prstGeom>
+          <a:noFill/>
+          <a:ln>
+            <a:solidFill>
+              <a:schemeClr val="tx1"/>
+            </a:solidFill>
+          </a:ln>
+        </p:spPr>
+        <p:style>
+          <a:lnRef idx="2">
+            <a:schemeClr val="accent1">
+              <a:shade val="50000"/>
+            </a:schemeClr>
+          </a:lnRef>
+          <a:fillRef idx="1">
+            <a:schemeClr val="accent1"/>
+          </a:fillRef>
+          <a:effectRef idx="0">
+            <a:schemeClr val="accent1"/>
+          </a:effectRef>
+          <a:fontRef idx="minor">
+            <a:schemeClr val="lt1"/>
+          </a:fontRef>
+        </p:style>
+        <p:txBody>
+          <a:bodyPr rtlCol="0" anchor="ctr"/>
+          <a:lstStyle/>
+          <a:p>
+            <a:pPr algn="ctr"/>
+            <a:endParaRPr lang="ko-KR" altLang="en-US"/>
+          </a:p>
+        </p:txBody>
+      </p:sp>
+      <p:sp>
+        <p:nvSpPr>
+          <p:cNvPr id="6" name="TextBox 5">
+            <a:extLst>
+              <a:ext uri="{FF2B5EF4-FFF2-40B4-BE49-F238E27FC236}">
+                <a16:creationId xmlns:a16="http://schemas.microsoft.com/office/drawing/2014/main" id="{949094F2-F8BD-47F3-AB24-2FB70DA163F4}"/>
+              </a:ext>
+            </a:extLst>
+          </p:cNvPr>
+          <p:cNvSpPr txBox="1"/>
+          <p:nvPr/>
+        </p:nvSpPr>
+        <p:spPr>
+          <a:xfrm>
+            <a:off x="1092199" y="1194774"/>
+            <a:ext cx="9691915" cy="1015663"/>
+          </a:xfrm>
+          <a:prstGeom prst="rect">
+            <a:avLst/>
+          </a:prstGeom>
+          <a:noFill/>
+        </p:spPr>
+        <p:txBody>
+          <a:bodyPr wrap="square" rtlCol="0">
+            <a:spAutoFit/>
+          </a:bodyPr>
+          <a:lstStyle/>
+          <a:p>
+            <a:pPr marL="342900" indent="-342900">
+              <a:buAutoNum type="arabicPeriod"/>
+            </a:pPr>
+            <a:r>
+              <a:rPr lang="ko-KR" altLang="en-US" sz="2000" dirty="0"/>
+              <a:t>개요</a:t>
+            </a:r>
+            <a:endParaRPr lang="en-US" altLang="ko-KR" sz="2000" dirty="0"/>
+          </a:p>
+          <a:p>
+            <a:pPr marL="342900" indent="-342900">
+              <a:buAutoNum type="arabicPeriod"/>
+            </a:pPr>
+            <a:r>
+              <a:rPr lang="ko-KR" altLang="en-US" sz="2000" dirty="0"/>
+              <a:t>작물</a:t>
+            </a:r>
+            <a:endParaRPr lang="en-US" altLang="ko-KR" sz="2000" dirty="0"/>
+          </a:p>
+          <a:p>
+            <a:pPr marL="342900" indent="-342900">
+              <a:buAutoNum type="arabicPeriod"/>
+            </a:pPr>
+            <a:r>
+              <a:rPr lang="ko-KR" altLang="en-US" sz="2000" dirty="0"/>
+              <a:t>스킬</a:t>
+            </a:r>
+            <a:endParaRPr lang="en-US" altLang="ko-KR" sz="2000" dirty="0"/>
+          </a:p>
+        </p:txBody>
+      </p:sp>
+      <p:grpSp>
+        <p:nvGrpSpPr>
+          <p:cNvPr id="4" name="그룹 3">
+            <a:extLst>
+              <a:ext uri="{FF2B5EF4-FFF2-40B4-BE49-F238E27FC236}">
+                <a16:creationId xmlns:a16="http://schemas.microsoft.com/office/drawing/2014/main" id="{3C62E805-8DA2-4093-A708-009E59B21F1A}"/>
+              </a:ext>
+            </a:extLst>
+          </p:cNvPr>
+          <p:cNvGrpSpPr/>
+          <p:nvPr/>
+        </p:nvGrpSpPr>
+        <p:grpSpPr>
+          <a:xfrm>
+            <a:off x="1" y="99367"/>
+            <a:ext cx="1446414" cy="620714"/>
+            <a:chOff x="0" y="231324"/>
+            <a:chExt cx="2341178" cy="620714"/>
+          </a:xfrm>
+        </p:grpSpPr>
+        <p:sp>
+          <p:nvSpPr>
+            <p:cNvPr id="7" name="TextBox 6">
+              <a:extLst>
+                <a:ext uri="{FF2B5EF4-FFF2-40B4-BE49-F238E27FC236}">
+                  <a16:creationId xmlns:a16="http://schemas.microsoft.com/office/drawing/2014/main" id="{A1147087-F103-4C8D-BF2E-D7F53A233CA3}"/>
+                </a:ext>
+              </a:extLst>
+            </p:cNvPr>
+            <p:cNvSpPr txBox="1"/>
+            <p:nvPr/>
+          </p:nvSpPr>
+          <p:spPr>
+            <a:xfrm>
+              <a:off x="0" y="231324"/>
+              <a:ext cx="2341178" cy="523220"/>
+            </a:xfrm>
+            <a:prstGeom prst="rect">
+              <a:avLst/>
+            </a:prstGeom>
+            <a:noFill/>
+          </p:spPr>
+          <p:txBody>
+            <a:bodyPr wrap="square" rtlCol="0">
+              <a:spAutoFit/>
+            </a:bodyPr>
+            <a:lstStyle/>
+            <a:p>
+              <a:r>
+                <a:rPr lang="ko-KR" altLang="en-US" sz="2800" b="1" dirty="0"/>
+                <a:t>목차</a:t>
+              </a:r>
+              <a:endParaRPr lang="ko-KR" altLang="en-US" sz="1400" b="1" dirty="0"/>
+            </a:p>
+          </p:txBody>
+        </p:sp>
+        <p:sp>
+          <p:nvSpPr>
+            <p:cNvPr id="8" name="평행 사변형 7">
+              <a:extLst>
+                <a:ext uri="{FF2B5EF4-FFF2-40B4-BE49-F238E27FC236}">
+                  <a16:creationId xmlns:a16="http://schemas.microsoft.com/office/drawing/2014/main" id="{D04F498F-9255-452E-B204-696D6103FAE0}"/>
+                </a:ext>
+              </a:extLst>
+            </p:cNvPr>
+            <p:cNvSpPr/>
+            <p:nvPr/>
+          </p:nvSpPr>
+          <p:spPr>
+            <a:xfrm>
+              <a:off x="0" y="787975"/>
+              <a:ext cx="2196000" cy="64063"/>
+            </a:xfrm>
+            <a:prstGeom prst="parallelogram">
+              <a:avLst/>
+            </a:prstGeom>
+            <a:solidFill>
+              <a:schemeClr val="tx1"/>
+            </a:solidFill>
+            <a:ln>
+              <a:noFill/>
+            </a:ln>
+          </p:spPr>
+          <p:style>
+            <a:lnRef idx="2">
+              <a:schemeClr val="accent1">
+                <a:shade val="50000"/>
+              </a:schemeClr>
+            </a:lnRef>
+            <a:fillRef idx="1">
+              <a:schemeClr val="accent1"/>
+            </a:fillRef>
+            <a:effectRef idx="0">
+              <a:schemeClr val="accent1"/>
+            </a:effectRef>
+            <a:fontRef idx="minor">
+              <a:schemeClr val="lt1"/>
+            </a:fontRef>
+          </p:style>
+          <p:txBody>
+            <a:bodyPr rtlCol="0" anchor="ctr"/>
+            <a:lstStyle/>
+            <a:p>
+              <a:pPr algn="ctr"/>
+              <a:endParaRPr lang="ko-KR" altLang="en-US" dirty="0"/>
+            </a:p>
+          </p:txBody>
+        </p:sp>
+      </p:grpSp>
+    </p:spTree>
+    <p:extLst>
+      <p:ext uri="{BB962C8B-B14F-4D97-AF65-F5344CB8AC3E}">
+        <p14:creationId xmlns:p14="http://schemas.microsoft.com/office/powerpoint/2010/main" val="2414886698"/>
+      </p:ext>
+    </p:extLst>
+  </p:cSld>
+  <p:clrMapOvr>
+    <a:masterClrMapping/>
+  </p:clrMapOvr>
+</p:sld>
+</file>
+
+<file path=ppt/slides/slide4.xml><?xml version="1.0" encoding="utf-8"?>
+<p:sld xmlns:a="http://schemas.openxmlformats.org/drawingml/2006/main" xmlns:r="http://schemas.openxmlformats.org/officeDocument/2006/relationships" xmlns:p="http://schemas.openxmlformats.org/presentationml/2006/main">
+  <p:cSld>
+    <p:spTree>
+      <p:nvGrpSpPr>
+        <p:cNvPr id="1" name=""/>
+        <p:cNvGrpSpPr/>
+        <p:nvPr/>
+      </p:nvGrpSpPr>
+      <p:grpSpPr>
+        <a:xfrm>
+          <a:off x="0" y="0"/>
+          <a:ext cx="0" cy="0"/>
+          <a:chOff x="0" y="0"/>
+          <a:chExt cx="0" cy="0"/>
+        </a:xfrm>
+      </p:grpSpPr>
       <p:grpSp>
         <p:nvGrpSpPr>
           <p:cNvPr id="38" name="그룹 37">
@@ -5903,9 +6254,10 @@
             </a:bodyPr>
             <a:lstStyle/>
             <a:p>
-              <a:pPr marL="514350" indent="-514350">
-                <a:buAutoNum type="arabicPeriod"/>
-              </a:pPr>
+              <a:r>
+                <a:rPr lang="en-US" altLang="ko-KR" sz="2800" b="1" dirty="0"/>
+                <a:t>1. </a:t>
+              </a:r>
               <a:r>
                 <a:rPr lang="ko-KR" altLang="en-US" sz="2800" b="1" dirty="0"/>
                 <a:t>개요</a:t>
@@ -5967,581 +6319,6 @@
           </p:txBody>
         </p:sp>
       </p:grpSp>
-      <p:graphicFrame>
-        <p:nvGraphicFramePr>
-          <p:cNvPr id="2" name="표 1">
-            <a:extLst>
-              <a:ext uri="{FF2B5EF4-FFF2-40B4-BE49-F238E27FC236}">
-                <a16:creationId xmlns:a16="http://schemas.microsoft.com/office/drawing/2014/main" id="{5B4E11CE-6A2B-4FA3-8D3C-813A1EB9BAD7}"/>
-              </a:ext>
-            </a:extLst>
-          </p:cNvPr>
-          <p:cNvGraphicFramePr>
-            <a:graphicFrameLocks noGrp="1"/>
-          </p:cNvGraphicFramePr>
-          <p:nvPr>
-            <p:extLst>
-              <p:ext uri="{D42A27DB-BD31-4B8C-83A1-F6EECF244321}">
-                <p14:modId xmlns:p14="http://schemas.microsoft.com/office/powerpoint/2010/main" val="4249876125"/>
-              </p:ext>
-            </p:extLst>
-          </p:nvPr>
-        </p:nvGraphicFramePr>
-        <p:xfrm>
-          <a:off x="7897928" y="2176443"/>
-          <a:ext cx="2508054" cy="3447108"/>
-        </p:xfrm>
-        <a:graphic>
-          <a:graphicData uri="http://schemas.openxmlformats.org/drawingml/2006/table">
-            <a:tbl>
-              <a:tblPr>
-                <a:tableStyleId>{5C22544A-7EE6-4342-B048-85BDC9FD1C3A}</a:tableStyleId>
-              </a:tblPr>
-              <a:tblGrid>
-                <a:gridCol w="2508054">
-                  <a:extLst>
-                    <a:ext uri="{9D8B030D-6E8A-4147-A177-3AD203B41FA5}">
-                      <a16:colId xmlns:a16="http://schemas.microsoft.com/office/drawing/2014/main" val="3010248146"/>
-                    </a:ext>
-                  </a:extLst>
-                </a:gridCol>
-              </a:tblGrid>
-              <a:tr h="489267">
-                <a:tc>
-                  <a:txBody>
-                    <a:bodyPr/>
-                    <a:lstStyle/>
-                    <a:p>
-                      <a:pPr algn="l" fontAlgn="ctr"/>
-                      <a:r>
-                        <a:rPr lang="en-US" sz="2600" u="none" strike="noStrike" dirty="0">
-                          <a:effectLst/>
-                        </a:rPr>
-                        <a:t>ID</a:t>
-                      </a:r>
-                      <a:endParaRPr lang="en-US" sz="2600" b="0" i="0" u="none" strike="noStrike" dirty="0">
-                        <a:solidFill>
-                          <a:srgbClr val="000000"/>
-                        </a:solidFill>
-                        <a:effectLst/>
-                        <a:latin typeface="맑은 고딕" panose="020B0503020000020004" pitchFamily="50" charset="-127"/>
-                        <a:ea typeface="맑은 고딕" panose="020B0503020000020004" pitchFamily="50" charset="-127"/>
-                      </a:endParaRPr>
-                    </a:p>
-                  </a:txBody>
-                  <a:tcPr marL="22239" marR="22239" marT="22239" marB="0" anchor="ctr">
-                    <a:lnL w="28575" cap="flat" cmpd="sng" algn="ctr">
-                      <a:solidFill>
-                        <a:schemeClr val="tx1"/>
-                      </a:solidFill>
-                      <a:prstDash val="solid"/>
-                      <a:round/>
-                      <a:headEnd type="none" w="med" len="med"/>
-                      <a:tailEnd type="none" w="med" len="med"/>
-                    </a:lnL>
-                    <a:lnR w="28575" cap="flat" cmpd="sng" algn="ctr">
-                      <a:solidFill>
-                        <a:schemeClr val="tx1"/>
-                      </a:solidFill>
-                      <a:prstDash val="solid"/>
-                      <a:round/>
-                      <a:headEnd type="none" w="med" len="med"/>
-                      <a:tailEnd type="none" w="med" len="med"/>
-                    </a:lnR>
-                    <a:lnT w="28575" cap="flat" cmpd="sng" algn="ctr">
-                      <a:solidFill>
-                        <a:schemeClr val="tx1"/>
-                      </a:solidFill>
-                      <a:prstDash val="solid"/>
-                      <a:round/>
-                      <a:headEnd type="none" w="med" len="med"/>
-                      <a:tailEnd type="none" w="med" len="med"/>
-                    </a:lnT>
-                    <a:lnB w="9525" cap="flat" cmpd="sng" algn="ctr">
-                      <a:solidFill>
-                        <a:schemeClr val="tx1"/>
-                      </a:solidFill>
-                      <a:prstDash val="solid"/>
-                      <a:round/>
-                      <a:headEnd type="none" w="med" len="med"/>
-                      <a:tailEnd type="none" w="med" len="med"/>
-                    </a:lnB>
-                    <a:lnTlToBr w="12700" cmpd="sng">
-                      <a:noFill/>
-                      <a:prstDash val="solid"/>
-                    </a:lnTlToBr>
-                    <a:lnBlToTr w="12700" cmpd="sng">
-                      <a:noFill/>
-                      <a:prstDash val="solid"/>
-                    </a:lnBlToTr>
-                  </a:tcPr>
-                </a:tc>
-                <a:extLst>
-                  <a:ext uri="{0D108BD9-81ED-4DB2-BD59-A6C34878D82A}">
-                    <a16:rowId xmlns:a16="http://schemas.microsoft.com/office/drawing/2014/main" val="1212622910"/>
-                  </a:ext>
-                </a:extLst>
-              </a:tr>
-              <a:tr h="489267">
-                <a:tc>
-                  <a:txBody>
-                    <a:bodyPr/>
-                    <a:lstStyle/>
-                    <a:p>
-                      <a:pPr algn="l" fontAlgn="ctr"/>
-                      <a:r>
-                        <a:rPr lang="en-US" sz="2600" u="none" strike="noStrike" dirty="0">
-                          <a:effectLst/>
-                        </a:rPr>
-                        <a:t>Name</a:t>
-                      </a:r>
-                      <a:endParaRPr lang="en-US" sz="2600" b="0" i="0" u="none" strike="noStrike" dirty="0">
-                        <a:solidFill>
-                          <a:srgbClr val="000000"/>
-                        </a:solidFill>
-                        <a:effectLst/>
-                        <a:latin typeface="맑은 고딕" panose="020B0503020000020004" pitchFamily="50" charset="-127"/>
-                        <a:ea typeface="맑은 고딕" panose="020B0503020000020004" pitchFamily="50" charset="-127"/>
-                      </a:endParaRPr>
-                    </a:p>
-                  </a:txBody>
-                  <a:tcPr marL="22239" marR="22239" marT="22239" marB="0" anchor="ctr">
-                    <a:lnL w="28575" cap="flat" cmpd="sng" algn="ctr">
-                      <a:solidFill>
-                        <a:schemeClr val="tx1"/>
-                      </a:solidFill>
-                      <a:prstDash val="solid"/>
-                      <a:round/>
-                      <a:headEnd type="none" w="med" len="med"/>
-                      <a:tailEnd type="none" w="med" len="med"/>
-                    </a:lnL>
-                    <a:lnR w="28575" cap="flat" cmpd="sng" algn="ctr">
-                      <a:solidFill>
-                        <a:schemeClr val="tx1"/>
-                      </a:solidFill>
-                      <a:prstDash val="solid"/>
-                      <a:round/>
-                      <a:headEnd type="none" w="med" len="med"/>
-                      <a:tailEnd type="none" w="med" len="med"/>
-                    </a:lnR>
-                    <a:lnT w="9525" cap="flat" cmpd="sng" algn="ctr">
-                      <a:solidFill>
-                        <a:schemeClr val="tx1"/>
-                      </a:solidFill>
-                      <a:prstDash val="solid"/>
-                      <a:round/>
-                      <a:headEnd type="none" w="med" len="med"/>
-                      <a:tailEnd type="none" w="med" len="med"/>
-                    </a:lnT>
-                    <a:lnB w="9525" cap="flat" cmpd="sng" algn="ctr">
-                      <a:solidFill>
-                        <a:schemeClr val="tx1"/>
-                      </a:solidFill>
-                      <a:prstDash val="solid"/>
-                      <a:round/>
-                      <a:headEnd type="none" w="med" len="med"/>
-                      <a:tailEnd type="none" w="med" len="med"/>
-                    </a:lnB>
-                    <a:lnTlToBr w="12700" cmpd="sng">
-                      <a:noFill/>
-                      <a:prstDash val="solid"/>
-                    </a:lnTlToBr>
-                    <a:lnBlToTr w="12700" cmpd="sng">
-                      <a:noFill/>
-                      <a:prstDash val="solid"/>
-                    </a:lnBlToTr>
-                  </a:tcPr>
-                </a:tc>
-                <a:extLst>
-                  <a:ext uri="{0D108BD9-81ED-4DB2-BD59-A6C34878D82A}">
-                    <a16:rowId xmlns:a16="http://schemas.microsoft.com/office/drawing/2014/main" val="3745420856"/>
-                  </a:ext>
-                </a:extLst>
-              </a:tr>
-              <a:tr h="489267">
-                <a:tc>
-                  <a:txBody>
-                    <a:bodyPr/>
-                    <a:lstStyle/>
-                    <a:p>
-                      <a:pPr algn="l" fontAlgn="ctr"/>
-                      <a:r>
-                        <a:rPr lang="en-US" sz="2600" u="none" strike="noStrike" dirty="0" err="1">
-                          <a:effectLst/>
-                        </a:rPr>
-                        <a:t>SeedPrice</a:t>
-                      </a:r>
-                      <a:endParaRPr lang="en-US" sz="2600" b="0" i="0" u="none" strike="noStrike" dirty="0">
-                        <a:solidFill>
-                          <a:srgbClr val="000000"/>
-                        </a:solidFill>
-                        <a:effectLst/>
-                        <a:latin typeface="맑은 고딕" panose="020B0503020000020004" pitchFamily="50" charset="-127"/>
-                        <a:ea typeface="맑은 고딕" panose="020B0503020000020004" pitchFamily="50" charset="-127"/>
-                      </a:endParaRPr>
-                    </a:p>
-                  </a:txBody>
-                  <a:tcPr marL="22239" marR="22239" marT="22239" marB="0" anchor="ctr">
-                    <a:lnL w="28575" cap="flat" cmpd="sng" algn="ctr">
-                      <a:solidFill>
-                        <a:schemeClr val="tx1"/>
-                      </a:solidFill>
-                      <a:prstDash val="solid"/>
-                      <a:round/>
-                      <a:headEnd type="none" w="med" len="med"/>
-                      <a:tailEnd type="none" w="med" len="med"/>
-                    </a:lnL>
-                    <a:lnR w="28575" cap="flat" cmpd="sng" algn="ctr">
-                      <a:solidFill>
-                        <a:schemeClr val="tx1"/>
-                      </a:solidFill>
-                      <a:prstDash val="solid"/>
-                      <a:round/>
-                      <a:headEnd type="none" w="med" len="med"/>
-                      <a:tailEnd type="none" w="med" len="med"/>
-                    </a:lnR>
-                    <a:lnT w="9525" cap="flat" cmpd="sng" algn="ctr">
-                      <a:solidFill>
-                        <a:schemeClr val="tx1"/>
-                      </a:solidFill>
-                      <a:prstDash val="solid"/>
-                      <a:round/>
-                      <a:headEnd type="none" w="med" len="med"/>
-                      <a:tailEnd type="none" w="med" len="med"/>
-                    </a:lnT>
-                    <a:lnB w="9525" cap="flat" cmpd="sng" algn="ctr">
-                      <a:solidFill>
-                        <a:schemeClr val="tx1"/>
-                      </a:solidFill>
-                      <a:prstDash val="solid"/>
-                      <a:round/>
-                      <a:headEnd type="none" w="med" len="med"/>
-                      <a:tailEnd type="none" w="med" len="med"/>
-                    </a:lnB>
-                    <a:lnTlToBr w="12700" cmpd="sng">
-                      <a:noFill/>
-                      <a:prstDash val="solid"/>
-                    </a:lnTlToBr>
-                    <a:lnBlToTr w="12700" cmpd="sng">
-                      <a:noFill/>
-                      <a:prstDash val="solid"/>
-                    </a:lnBlToTr>
-                  </a:tcPr>
-                </a:tc>
-                <a:extLst>
-                  <a:ext uri="{0D108BD9-81ED-4DB2-BD59-A6C34878D82A}">
-                    <a16:rowId xmlns:a16="http://schemas.microsoft.com/office/drawing/2014/main" val="931628305"/>
-                  </a:ext>
-                </a:extLst>
-              </a:tr>
-              <a:tr h="489267">
-                <a:tc>
-                  <a:txBody>
-                    <a:bodyPr/>
-                    <a:lstStyle/>
-                    <a:p>
-                      <a:pPr algn="l" fontAlgn="ctr"/>
-                      <a:r>
-                        <a:rPr lang="ko-KR" altLang="en-US" sz="2600" u="none" strike="noStrike" dirty="0" err="1">
-                          <a:effectLst/>
-                        </a:rPr>
-                        <a:t>대표이미지</a:t>
-                      </a:r>
-                      <a:endParaRPr lang="ko-KR" altLang="en-US" sz="2600" b="0" i="0" u="none" strike="noStrike" dirty="0">
-                        <a:solidFill>
-                          <a:srgbClr val="000000"/>
-                        </a:solidFill>
-                        <a:effectLst/>
-                        <a:latin typeface="맑은 고딕" panose="020B0503020000020004" pitchFamily="50" charset="-127"/>
-                        <a:ea typeface="맑은 고딕" panose="020B0503020000020004" pitchFamily="50" charset="-127"/>
-                      </a:endParaRPr>
-                    </a:p>
-                  </a:txBody>
-                  <a:tcPr marL="22239" marR="22239" marT="22239" marB="0" anchor="ctr">
-                    <a:lnL w="28575" cap="flat" cmpd="sng" algn="ctr">
-                      <a:solidFill>
-                        <a:schemeClr val="tx1"/>
-                      </a:solidFill>
-                      <a:prstDash val="solid"/>
-                      <a:round/>
-                      <a:headEnd type="none" w="med" len="med"/>
-                      <a:tailEnd type="none" w="med" len="med"/>
-                    </a:lnL>
-                    <a:lnR w="28575" cap="flat" cmpd="sng" algn="ctr">
-                      <a:solidFill>
-                        <a:schemeClr val="tx1"/>
-                      </a:solidFill>
-                      <a:prstDash val="solid"/>
-                      <a:round/>
-                      <a:headEnd type="none" w="med" len="med"/>
-                      <a:tailEnd type="none" w="med" len="med"/>
-                    </a:lnR>
-                    <a:lnT w="9525" cap="flat" cmpd="sng" algn="ctr">
-                      <a:solidFill>
-                        <a:schemeClr val="tx1"/>
-                      </a:solidFill>
-                      <a:prstDash val="solid"/>
-                      <a:round/>
-                      <a:headEnd type="none" w="med" len="med"/>
-                      <a:tailEnd type="none" w="med" len="med"/>
-                    </a:lnT>
-                    <a:lnB w="9525" cap="flat" cmpd="sng" algn="ctr">
-                      <a:solidFill>
-                        <a:schemeClr val="tx1"/>
-                      </a:solidFill>
-                      <a:prstDash val="solid"/>
-                      <a:round/>
-                      <a:headEnd type="none" w="med" len="med"/>
-                      <a:tailEnd type="none" w="med" len="med"/>
-                    </a:lnB>
-                    <a:lnTlToBr w="12700" cmpd="sng">
-                      <a:noFill/>
-                      <a:prstDash val="solid"/>
-                    </a:lnTlToBr>
-                    <a:lnBlToTr w="12700" cmpd="sng">
-                      <a:noFill/>
-                      <a:prstDash val="solid"/>
-                    </a:lnBlToTr>
-                  </a:tcPr>
-                </a:tc>
-                <a:extLst>
-                  <a:ext uri="{0D108BD9-81ED-4DB2-BD59-A6C34878D82A}">
-                    <a16:rowId xmlns:a16="http://schemas.microsoft.com/office/drawing/2014/main" val="4045280827"/>
-                  </a:ext>
-                </a:extLst>
-              </a:tr>
-              <a:tr h="489267">
-                <a:tc>
-                  <a:txBody>
-                    <a:bodyPr/>
-                    <a:lstStyle/>
-                    <a:p>
-                      <a:pPr algn="l" fontAlgn="ctr"/>
-                      <a:r>
-                        <a:rPr lang="ko-KR" altLang="en-US" sz="2600" u="none" strike="noStrike" dirty="0" err="1">
-                          <a:effectLst/>
-                        </a:rPr>
-                        <a:t>파종이미지</a:t>
-                      </a:r>
-                      <a:endParaRPr lang="ko-KR" altLang="en-US" sz="2600" b="0" i="0" u="none" strike="noStrike" dirty="0">
-                        <a:solidFill>
-                          <a:srgbClr val="000000"/>
-                        </a:solidFill>
-                        <a:effectLst/>
-                        <a:latin typeface="맑은 고딕" panose="020B0503020000020004" pitchFamily="50" charset="-127"/>
-                        <a:ea typeface="맑은 고딕" panose="020B0503020000020004" pitchFamily="50" charset="-127"/>
-                      </a:endParaRPr>
-                    </a:p>
-                  </a:txBody>
-                  <a:tcPr marL="22239" marR="22239" marT="22239" marB="0" anchor="ctr">
-                    <a:lnL w="28575" cap="flat" cmpd="sng" algn="ctr">
-                      <a:solidFill>
-                        <a:schemeClr val="tx1"/>
-                      </a:solidFill>
-                      <a:prstDash val="solid"/>
-                      <a:round/>
-                      <a:headEnd type="none" w="med" len="med"/>
-                      <a:tailEnd type="none" w="med" len="med"/>
-                    </a:lnL>
-                    <a:lnR w="28575" cap="flat" cmpd="sng" algn="ctr">
-                      <a:solidFill>
-                        <a:schemeClr val="tx1"/>
-                      </a:solidFill>
-                      <a:prstDash val="solid"/>
-                      <a:round/>
-                      <a:headEnd type="none" w="med" len="med"/>
-                      <a:tailEnd type="none" w="med" len="med"/>
-                    </a:lnR>
-                    <a:lnT w="9525" cap="flat" cmpd="sng" algn="ctr">
-                      <a:solidFill>
-                        <a:schemeClr val="tx1"/>
-                      </a:solidFill>
-                      <a:prstDash val="solid"/>
-                      <a:round/>
-                      <a:headEnd type="none" w="med" len="med"/>
-                      <a:tailEnd type="none" w="med" len="med"/>
-                    </a:lnT>
-                    <a:lnB w="9525" cap="flat" cmpd="sng" algn="ctr">
-                      <a:solidFill>
-                        <a:schemeClr val="tx1"/>
-                      </a:solidFill>
-                      <a:prstDash val="solid"/>
-                      <a:round/>
-                      <a:headEnd type="none" w="med" len="med"/>
-                      <a:tailEnd type="none" w="med" len="med"/>
-                    </a:lnB>
-                    <a:lnTlToBr w="12700" cmpd="sng">
-                      <a:noFill/>
-                      <a:prstDash val="solid"/>
-                    </a:lnTlToBr>
-                    <a:lnBlToTr w="12700" cmpd="sng">
-                      <a:noFill/>
-                      <a:prstDash val="solid"/>
-                    </a:lnBlToTr>
-                  </a:tcPr>
-                </a:tc>
-                <a:extLst>
-                  <a:ext uri="{0D108BD9-81ED-4DB2-BD59-A6C34878D82A}">
-                    <a16:rowId xmlns:a16="http://schemas.microsoft.com/office/drawing/2014/main" val="3347507729"/>
-                  </a:ext>
-                </a:extLst>
-              </a:tr>
-              <a:tr h="489267">
-                <a:tc>
-                  <a:txBody>
-                    <a:bodyPr/>
-                    <a:lstStyle/>
-                    <a:p>
-                      <a:pPr algn="l" fontAlgn="ctr"/>
-                      <a:r>
-                        <a:rPr lang="ko-KR" altLang="en-US" sz="2600" u="none" strike="noStrike" dirty="0" err="1">
-                          <a:effectLst/>
-                        </a:rPr>
-                        <a:t>중간성장이미지</a:t>
-                      </a:r>
-                      <a:endParaRPr lang="ko-KR" altLang="en-US" sz="2600" b="0" i="0" u="none" strike="noStrike" dirty="0">
-                        <a:solidFill>
-                          <a:srgbClr val="000000"/>
-                        </a:solidFill>
-                        <a:effectLst/>
-                        <a:latin typeface="맑은 고딕" panose="020B0503020000020004" pitchFamily="50" charset="-127"/>
-                        <a:ea typeface="맑은 고딕" panose="020B0503020000020004" pitchFamily="50" charset="-127"/>
-                      </a:endParaRPr>
-                    </a:p>
-                  </a:txBody>
-                  <a:tcPr marL="22239" marR="22239" marT="22239" marB="0" anchor="ctr">
-                    <a:lnL w="28575" cap="flat" cmpd="sng" algn="ctr">
-                      <a:solidFill>
-                        <a:schemeClr val="tx1"/>
-                      </a:solidFill>
-                      <a:prstDash val="solid"/>
-                      <a:round/>
-                      <a:headEnd type="none" w="med" len="med"/>
-                      <a:tailEnd type="none" w="med" len="med"/>
-                    </a:lnL>
-                    <a:lnR w="28575" cap="flat" cmpd="sng" algn="ctr">
-                      <a:solidFill>
-                        <a:schemeClr val="tx1"/>
-                      </a:solidFill>
-                      <a:prstDash val="solid"/>
-                      <a:round/>
-                      <a:headEnd type="none" w="med" len="med"/>
-                      <a:tailEnd type="none" w="med" len="med"/>
-                    </a:lnR>
-                    <a:lnT w="9525" cap="flat" cmpd="sng" algn="ctr">
-                      <a:solidFill>
-                        <a:schemeClr val="tx1"/>
-                      </a:solidFill>
-                      <a:prstDash val="solid"/>
-                      <a:round/>
-                      <a:headEnd type="none" w="med" len="med"/>
-                      <a:tailEnd type="none" w="med" len="med"/>
-                    </a:lnT>
-                    <a:lnB w="9525" cap="flat" cmpd="sng" algn="ctr">
-                      <a:solidFill>
-                        <a:schemeClr val="tx1"/>
-                      </a:solidFill>
-                      <a:prstDash val="solid"/>
-                      <a:round/>
-                      <a:headEnd type="none" w="med" len="med"/>
-                      <a:tailEnd type="none" w="med" len="med"/>
-                    </a:lnB>
-                    <a:lnTlToBr w="12700" cmpd="sng">
-                      <a:noFill/>
-                      <a:prstDash val="solid"/>
-                    </a:lnTlToBr>
-                    <a:lnBlToTr w="12700" cmpd="sng">
-                      <a:noFill/>
-                      <a:prstDash val="solid"/>
-                    </a:lnBlToTr>
-                  </a:tcPr>
-                </a:tc>
-                <a:extLst>
-                  <a:ext uri="{0D108BD9-81ED-4DB2-BD59-A6C34878D82A}">
-                    <a16:rowId xmlns:a16="http://schemas.microsoft.com/office/drawing/2014/main" val="3097291585"/>
-                  </a:ext>
-                </a:extLst>
-              </a:tr>
-              <a:tr h="511506">
-                <a:tc>
-                  <a:txBody>
-                    <a:bodyPr/>
-                    <a:lstStyle/>
-                    <a:p>
-                      <a:pPr algn="l" fontAlgn="ctr"/>
-                      <a:r>
-                        <a:rPr lang="ko-KR" altLang="en-US" sz="2600" u="none" strike="noStrike" dirty="0" err="1">
-                          <a:effectLst/>
-                        </a:rPr>
-                        <a:t>완전성장이미지</a:t>
-                      </a:r>
-                      <a:endParaRPr lang="ko-KR" altLang="en-US" sz="2600" b="0" i="0" u="none" strike="noStrike" dirty="0">
-                        <a:solidFill>
-                          <a:srgbClr val="000000"/>
-                        </a:solidFill>
-                        <a:effectLst/>
-                        <a:latin typeface="맑은 고딕" panose="020B0503020000020004" pitchFamily="50" charset="-127"/>
-                        <a:ea typeface="맑은 고딕" panose="020B0503020000020004" pitchFamily="50" charset="-127"/>
-                      </a:endParaRPr>
-                    </a:p>
-                  </a:txBody>
-                  <a:tcPr marL="22239" marR="22239" marT="22239" marB="0" anchor="ctr">
-                    <a:lnL w="28575" cap="flat" cmpd="sng" algn="ctr">
-                      <a:solidFill>
-                        <a:schemeClr val="tx1"/>
-                      </a:solidFill>
-                      <a:prstDash val="solid"/>
-                      <a:round/>
-                      <a:headEnd type="none" w="med" len="med"/>
-                      <a:tailEnd type="none" w="med" len="med"/>
-                    </a:lnL>
-                    <a:lnR w="28575" cap="flat" cmpd="sng" algn="ctr">
-                      <a:solidFill>
-                        <a:schemeClr val="tx1"/>
-                      </a:solidFill>
-                      <a:prstDash val="solid"/>
-                      <a:round/>
-                      <a:headEnd type="none" w="med" len="med"/>
-                      <a:tailEnd type="none" w="med" len="med"/>
-                    </a:lnR>
-                    <a:lnT w="9525" cap="flat" cmpd="sng" algn="ctr">
-                      <a:solidFill>
-                        <a:schemeClr val="tx1"/>
-                      </a:solidFill>
-                      <a:prstDash val="solid"/>
-                      <a:round/>
-                      <a:headEnd type="none" w="med" len="med"/>
-                      <a:tailEnd type="none" w="med" len="med"/>
-                    </a:lnT>
-                    <a:lnB w="28575" cap="flat" cmpd="sng" algn="ctr">
-                      <a:solidFill>
-                        <a:schemeClr val="tx1"/>
-                      </a:solidFill>
-                      <a:prstDash val="solid"/>
-                      <a:round/>
-                      <a:headEnd type="none" w="med" len="med"/>
-                      <a:tailEnd type="none" w="med" len="med"/>
-                    </a:lnB>
-                    <a:lnTlToBr w="12700" cmpd="sng">
-                      <a:noFill/>
-                      <a:prstDash val="solid"/>
-                    </a:lnTlToBr>
-                    <a:lnBlToTr w="12700" cmpd="sng">
-                      <a:noFill/>
-                      <a:prstDash val="solid"/>
-                    </a:lnBlToTr>
-                  </a:tcPr>
-                </a:tc>
-                <a:extLst>
-                  <a:ext uri="{0D108BD9-81ED-4DB2-BD59-A6C34878D82A}">
-                    <a16:rowId xmlns:a16="http://schemas.microsoft.com/office/drawing/2014/main" val="1890538460"/>
-                  </a:ext>
-                </a:extLst>
-              </a:tr>
-            </a:tbl>
-          </a:graphicData>
-        </a:graphic>
-      </p:graphicFrame>
       <p:grpSp>
         <p:nvGrpSpPr>
           <p:cNvPr id="14" name="그룹 13">
@@ -6556,8 +6333,8 @@
         </p:nvGrpSpPr>
         <p:grpSpPr>
           <a:xfrm>
-            <a:off x="1316420" y="2457832"/>
-            <a:ext cx="5360099" cy="1942335"/>
+            <a:off x="1514553" y="2240663"/>
+            <a:ext cx="9162894" cy="2376674"/>
             <a:chOff x="7280649" y="4038167"/>
             <a:chExt cx="4217057" cy="2389089"/>
           </a:xfrm>
@@ -6694,7 +6471,84 @@
                     <a:schemeClr val="tx1"/>
                   </a:solidFill>
                 </a:rPr>
-                <a:t>각 콘텐츠들은 다음 데이터 항목들을 가진다</a:t>
+                <a:t>각 콘텐츠 항목의 데이터 셋을 기록</a:t>
+              </a:r>
+              <a:endParaRPr lang="en-US" altLang="ko-KR" dirty="0">
+                <a:solidFill>
+                  <a:schemeClr val="tx1"/>
+                </a:solidFill>
+              </a:endParaRPr>
+            </a:p>
+            <a:p>
+              <a:pPr marL="285750" indent="-285750">
+                <a:buFont typeface="Arial" panose="020B0604020202020204" pitchFamily="34" charset="0"/>
+                <a:buChar char="•"/>
+              </a:pPr>
+              <a:endParaRPr lang="en-US" altLang="ko-KR" dirty="0">
+                <a:solidFill>
+                  <a:schemeClr val="tx1"/>
+                </a:solidFill>
+              </a:endParaRPr>
+            </a:p>
+            <a:p>
+              <a:pPr marL="285750" indent="-285750">
+                <a:buFont typeface="Arial" panose="020B0604020202020204" pitchFamily="34" charset="0"/>
+                <a:buChar char="•"/>
+              </a:pPr>
+              <a:r>
+                <a:rPr lang="ko-KR" altLang="en-US" dirty="0">
+                  <a:solidFill>
+                    <a:schemeClr val="tx1"/>
+                  </a:solidFill>
+                </a:rPr>
+                <a:t>세부 데이터는 </a:t>
+              </a:r>
+              <a:r>
+                <a:rPr lang="ko-KR" altLang="en-US" i="1" dirty="0">
+                  <a:solidFill>
+                    <a:schemeClr val="tx1"/>
+                  </a:solidFill>
+                </a:rPr>
+                <a:t>콘텐츠 리소스</a:t>
+              </a:r>
+              <a:r>
+                <a:rPr lang="en-US" altLang="ko-KR" i="1" dirty="0">
+                  <a:solidFill>
+                    <a:schemeClr val="tx1"/>
+                  </a:solidFill>
+                </a:rPr>
+                <a:t>.xlsx</a:t>
+              </a:r>
+              <a:r>
+                <a:rPr lang="ko-KR" altLang="en-US" i="1" dirty="0">
+                  <a:solidFill>
+                    <a:schemeClr val="tx1"/>
+                  </a:solidFill>
+                </a:rPr>
+                <a:t> </a:t>
+              </a:r>
+              <a:r>
+                <a:rPr lang="ko-KR" altLang="en-US" dirty="0">
+                  <a:solidFill>
+                    <a:schemeClr val="tx1"/>
+                  </a:solidFill>
+                </a:rPr>
+                <a:t>파일 참고</a:t>
+              </a:r>
+              <a:br>
+                <a:rPr lang="en-US" altLang="ko-KR" dirty="0">
+                  <a:solidFill>
+                    <a:schemeClr val="tx1"/>
+                  </a:solidFill>
+                </a:rPr>
+              </a:br>
+              <a:r>
+                <a:rPr lang="ko-KR" altLang="en-US" dirty="0">
+                  <a:solidFill>
+                    <a:schemeClr val="tx1"/>
+                  </a:solidFill>
+                </a:rPr>
+                <a:t>엑셀 파일로 저장하지 않을 데이터는</a:t>
               </a:r>
               <a:r>
                 <a:rPr lang="en-US" altLang="ko-KR" dirty="0">
@@ -6702,8 +6556,21 @@
                     <a:schemeClr val="tx1"/>
                   </a:solidFill>
                 </a:rPr>
-                <a:t>.</a:t>
+                <a:t>, </a:t>
               </a:r>
+              <a:r>
+                <a:rPr lang="ko-KR" altLang="en-US" dirty="0">
+                  <a:solidFill>
+                    <a:schemeClr val="tx1"/>
+                  </a:solidFill>
+                </a:rPr>
+                <a:t>별도 슬라이드를 통해 데이터 양식을 표기함</a:t>
+              </a:r>
+              <a:endParaRPr lang="en-US" altLang="ko-KR" dirty="0">
+                <a:solidFill>
+                  <a:schemeClr val="tx1"/>
+                </a:solidFill>
+              </a:endParaRPr>
             </a:p>
           </p:txBody>
         </p:sp>
@@ -6747,6 +6614,794 @@
           </p:txBody>
         </p:sp>
       </p:grpSp>
+    </p:spTree>
+    <p:extLst>
+      <p:ext uri="{BB962C8B-B14F-4D97-AF65-F5344CB8AC3E}">
+        <p14:creationId xmlns:p14="http://schemas.microsoft.com/office/powerpoint/2010/main" val="840146968"/>
+      </p:ext>
+    </p:extLst>
+  </p:cSld>
+  <p:clrMapOvr>
+    <a:masterClrMapping/>
+  </p:clrMapOvr>
+</p:sld>
+</file>
+
+<file path=ppt/slides/slide5.xml><?xml version="1.0" encoding="utf-8"?>
+<p:sld xmlns:a="http://schemas.openxmlformats.org/drawingml/2006/main" xmlns:r="http://schemas.openxmlformats.org/officeDocument/2006/relationships" xmlns:p="http://schemas.openxmlformats.org/presentationml/2006/main">
+  <p:cSld>
+    <p:spTree>
+      <p:nvGrpSpPr>
+        <p:cNvPr id="1" name=""/>
+        <p:cNvGrpSpPr/>
+        <p:nvPr/>
+      </p:nvGrpSpPr>
+      <p:grpSpPr>
+        <a:xfrm>
+          <a:off x="0" y="0"/>
+          <a:ext cx="0" cy="0"/>
+          <a:chOff x="0" y="0"/>
+          <a:chExt cx="0" cy="0"/>
+        </a:xfrm>
+      </p:grpSpPr>
+      <p:grpSp>
+        <p:nvGrpSpPr>
+          <p:cNvPr id="38" name="그룹 37">
+            <a:extLst>
+              <a:ext uri="{FF2B5EF4-FFF2-40B4-BE49-F238E27FC236}">
+                <a16:creationId xmlns:a16="http://schemas.microsoft.com/office/drawing/2014/main" id="{1D8E532E-9E14-4EC0-9A5D-C7F11045D019}"/>
+              </a:ext>
+            </a:extLst>
+          </p:cNvPr>
+          <p:cNvGrpSpPr/>
+          <p:nvPr/>
+        </p:nvGrpSpPr>
+        <p:grpSpPr>
+          <a:xfrm>
+            <a:off x="0" y="99367"/>
+            <a:ext cx="2807010" cy="620714"/>
+            <a:chOff x="0" y="231324"/>
+            <a:chExt cx="2341178" cy="620714"/>
+          </a:xfrm>
+        </p:grpSpPr>
+        <p:sp>
+          <p:nvSpPr>
+            <p:cNvPr id="39" name="TextBox 38">
+              <a:extLst>
+                <a:ext uri="{FF2B5EF4-FFF2-40B4-BE49-F238E27FC236}">
+                  <a16:creationId xmlns:a16="http://schemas.microsoft.com/office/drawing/2014/main" id="{6CDC6D6B-2C6F-4506-A1A4-B60E366A7E7F}"/>
+                </a:ext>
+              </a:extLst>
+            </p:cNvPr>
+            <p:cNvSpPr txBox="1"/>
+            <p:nvPr/>
+          </p:nvSpPr>
+          <p:spPr>
+            <a:xfrm>
+              <a:off x="0" y="231324"/>
+              <a:ext cx="2341178" cy="523220"/>
+            </a:xfrm>
+            <a:prstGeom prst="rect">
+              <a:avLst/>
+            </a:prstGeom>
+            <a:noFill/>
+          </p:spPr>
+          <p:txBody>
+            <a:bodyPr wrap="square" rtlCol="0">
+              <a:spAutoFit/>
+            </a:bodyPr>
+            <a:lstStyle/>
+            <a:p>
+              <a:r>
+                <a:rPr lang="en-US" altLang="ko-KR" sz="2800" b="1" dirty="0"/>
+                <a:t>2. </a:t>
+              </a:r>
+              <a:r>
+                <a:rPr lang="ko-KR" altLang="en-US" sz="2800" b="1" dirty="0"/>
+                <a:t>작물</a:t>
+              </a:r>
+              <a:endParaRPr lang="en-US" altLang="ko-KR" sz="2800" b="1" dirty="0"/>
+            </a:p>
+          </p:txBody>
+        </p:sp>
+        <p:sp>
+          <p:nvSpPr>
+            <p:cNvPr id="40" name="평행 사변형 39">
+              <a:extLst>
+                <a:ext uri="{FF2B5EF4-FFF2-40B4-BE49-F238E27FC236}">
+                  <a16:creationId xmlns:a16="http://schemas.microsoft.com/office/drawing/2014/main" id="{4E81B653-ED60-4FFF-82E8-2306DFEB399E}"/>
+                </a:ext>
+              </a:extLst>
+            </p:cNvPr>
+            <p:cNvSpPr/>
+            <p:nvPr/>
+          </p:nvSpPr>
+          <p:spPr>
+            <a:xfrm>
+              <a:off x="0" y="787975"/>
+              <a:ext cx="2196000" cy="64063"/>
+            </a:xfrm>
+            <a:prstGeom prst="parallelogram">
+              <a:avLst/>
+            </a:prstGeom>
+            <a:solidFill>
+              <a:schemeClr val="tx1"/>
+            </a:solidFill>
+            <a:ln>
+              <a:noFill/>
+            </a:ln>
+          </p:spPr>
+          <p:style>
+            <a:lnRef idx="2">
+              <a:schemeClr val="accent1">
+                <a:shade val="50000"/>
+              </a:schemeClr>
+            </a:lnRef>
+            <a:fillRef idx="1">
+              <a:schemeClr val="accent1"/>
+            </a:fillRef>
+            <a:effectRef idx="0">
+              <a:schemeClr val="accent1"/>
+            </a:effectRef>
+            <a:fontRef idx="minor">
+              <a:schemeClr val="lt1"/>
+            </a:fontRef>
+          </p:style>
+          <p:txBody>
+            <a:bodyPr rtlCol="0" anchor="ctr"/>
+            <a:lstStyle/>
+            <a:p>
+              <a:pPr algn="ctr"/>
+              <a:endParaRPr lang="ko-KR" altLang="en-US" dirty="0"/>
+            </a:p>
+          </p:txBody>
+        </p:sp>
+      </p:grpSp>
+      <p:graphicFrame>
+        <p:nvGraphicFramePr>
+          <p:cNvPr id="2" name="표 1">
+            <a:extLst>
+              <a:ext uri="{FF2B5EF4-FFF2-40B4-BE49-F238E27FC236}">
+                <a16:creationId xmlns:a16="http://schemas.microsoft.com/office/drawing/2014/main" id="{5B4E11CE-6A2B-4FA3-8D3C-813A1EB9BAD7}"/>
+              </a:ext>
+            </a:extLst>
+          </p:cNvPr>
+          <p:cNvGraphicFramePr>
+            <a:graphicFrameLocks noGrp="1"/>
+          </p:cNvGraphicFramePr>
+          <p:nvPr>
+            <p:extLst>
+              <p:ext uri="{D42A27DB-BD31-4B8C-83A1-F6EECF244321}">
+                <p14:modId xmlns:p14="http://schemas.microsoft.com/office/powerpoint/2010/main" val="3518158008"/>
+              </p:ext>
+            </p:extLst>
+          </p:nvPr>
+        </p:nvGraphicFramePr>
+        <p:xfrm>
+          <a:off x="7767301" y="1711987"/>
+          <a:ext cx="2508054" cy="3936375"/>
+        </p:xfrm>
+        <a:graphic>
+          <a:graphicData uri="http://schemas.openxmlformats.org/drawingml/2006/table">
+            <a:tbl>
+              <a:tblPr>
+                <a:tableStyleId>{5C22544A-7EE6-4342-B048-85BDC9FD1C3A}</a:tableStyleId>
+              </a:tblPr>
+              <a:tblGrid>
+                <a:gridCol w="2508054">
+                  <a:extLst>
+                    <a:ext uri="{9D8B030D-6E8A-4147-A177-3AD203B41FA5}">
+                      <a16:colId xmlns:a16="http://schemas.microsoft.com/office/drawing/2014/main" val="3010248146"/>
+                    </a:ext>
+                  </a:extLst>
+                </a:gridCol>
+              </a:tblGrid>
+              <a:tr h="489267">
+                <a:tc>
+                  <a:txBody>
+                    <a:bodyPr/>
+                    <a:lstStyle/>
+                    <a:p>
+                      <a:pPr algn="l" fontAlgn="ctr"/>
+                      <a:r>
+                        <a:rPr lang="en-US" sz="2600" u="none" strike="noStrike" dirty="0">
+                          <a:effectLst/>
+                        </a:rPr>
+                        <a:t>ID</a:t>
+                      </a:r>
+                      <a:endParaRPr lang="en-US" sz="2600" b="0" i="0" u="none" strike="noStrike" dirty="0">
+                        <a:solidFill>
+                          <a:srgbClr val="000000"/>
+                        </a:solidFill>
+                        <a:effectLst/>
+                        <a:latin typeface="맑은 고딕" panose="020B0503020000020004" pitchFamily="50" charset="-127"/>
+                        <a:ea typeface="맑은 고딕" panose="020B0503020000020004" pitchFamily="50" charset="-127"/>
+                      </a:endParaRPr>
+                    </a:p>
+                  </a:txBody>
+                  <a:tcPr marL="22239" marR="22239" marT="22239" marB="0" anchor="ctr">
+                    <a:lnL w="28575" cap="flat" cmpd="sng" algn="ctr">
+                      <a:solidFill>
+                        <a:schemeClr val="tx1"/>
+                      </a:solidFill>
+                      <a:prstDash val="solid"/>
+                      <a:round/>
+                      <a:headEnd type="none" w="med" len="med"/>
+                      <a:tailEnd type="none" w="med" len="med"/>
+                    </a:lnL>
+                    <a:lnR w="28575" cap="flat" cmpd="sng" algn="ctr">
+                      <a:solidFill>
+                        <a:schemeClr val="tx1"/>
+                      </a:solidFill>
+                      <a:prstDash val="solid"/>
+                      <a:round/>
+                      <a:headEnd type="none" w="med" len="med"/>
+                      <a:tailEnd type="none" w="med" len="med"/>
+                    </a:lnR>
+                    <a:lnT w="28575" cap="flat" cmpd="sng" algn="ctr">
+                      <a:solidFill>
+                        <a:schemeClr val="tx1"/>
+                      </a:solidFill>
+                      <a:prstDash val="solid"/>
+                      <a:round/>
+                      <a:headEnd type="none" w="med" len="med"/>
+                      <a:tailEnd type="none" w="med" len="med"/>
+                    </a:lnT>
+                    <a:lnB w="9525" cap="flat" cmpd="sng" algn="ctr">
+                      <a:solidFill>
+                        <a:schemeClr val="tx1"/>
+                      </a:solidFill>
+                      <a:prstDash val="solid"/>
+                      <a:round/>
+                      <a:headEnd type="none" w="med" len="med"/>
+                      <a:tailEnd type="none" w="med" len="med"/>
+                    </a:lnB>
+                    <a:lnTlToBr w="12700" cmpd="sng">
+                      <a:noFill/>
+                      <a:prstDash val="solid"/>
+                    </a:lnTlToBr>
+                    <a:lnBlToTr w="12700" cmpd="sng">
+                      <a:noFill/>
+                      <a:prstDash val="solid"/>
+                    </a:lnBlToTr>
+                  </a:tcPr>
+                </a:tc>
+                <a:extLst>
+                  <a:ext uri="{0D108BD9-81ED-4DB2-BD59-A6C34878D82A}">
+                    <a16:rowId xmlns:a16="http://schemas.microsoft.com/office/drawing/2014/main" val="1212622910"/>
+                  </a:ext>
+                </a:extLst>
+              </a:tr>
+              <a:tr h="489267">
+                <a:tc>
+                  <a:txBody>
+                    <a:bodyPr/>
+                    <a:lstStyle/>
+                    <a:p>
+                      <a:pPr algn="l" fontAlgn="ctr"/>
+                      <a:r>
+                        <a:rPr lang="en-US" sz="2600" u="none" strike="noStrike" dirty="0">
+                          <a:effectLst/>
+                        </a:rPr>
+                        <a:t>Name</a:t>
+                      </a:r>
+                      <a:endParaRPr lang="en-US" sz="2600" b="0" i="0" u="none" strike="noStrike" dirty="0">
+                        <a:solidFill>
+                          <a:srgbClr val="000000"/>
+                        </a:solidFill>
+                        <a:effectLst/>
+                        <a:latin typeface="맑은 고딕" panose="020B0503020000020004" pitchFamily="50" charset="-127"/>
+                        <a:ea typeface="맑은 고딕" panose="020B0503020000020004" pitchFamily="50" charset="-127"/>
+                      </a:endParaRPr>
+                    </a:p>
+                  </a:txBody>
+                  <a:tcPr marL="22239" marR="22239" marT="22239" marB="0" anchor="ctr">
+                    <a:lnL w="28575" cap="flat" cmpd="sng" algn="ctr">
+                      <a:solidFill>
+                        <a:schemeClr val="tx1"/>
+                      </a:solidFill>
+                      <a:prstDash val="solid"/>
+                      <a:round/>
+                      <a:headEnd type="none" w="med" len="med"/>
+                      <a:tailEnd type="none" w="med" len="med"/>
+                    </a:lnL>
+                    <a:lnR w="28575" cap="flat" cmpd="sng" algn="ctr">
+                      <a:solidFill>
+                        <a:schemeClr val="tx1"/>
+                      </a:solidFill>
+                      <a:prstDash val="solid"/>
+                      <a:round/>
+                      <a:headEnd type="none" w="med" len="med"/>
+                      <a:tailEnd type="none" w="med" len="med"/>
+                    </a:lnR>
+                    <a:lnT w="9525" cap="flat" cmpd="sng" algn="ctr">
+                      <a:solidFill>
+                        <a:schemeClr val="tx1"/>
+                      </a:solidFill>
+                      <a:prstDash val="solid"/>
+                      <a:round/>
+                      <a:headEnd type="none" w="med" len="med"/>
+                      <a:tailEnd type="none" w="med" len="med"/>
+                    </a:lnT>
+                    <a:lnB w="9525" cap="flat" cmpd="sng" algn="ctr">
+                      <a:solidFill>
+                        <a:schemeClr val="tx1"/>
+                      </a:solidFill>
+                      <a:prstDash val="solid"/>
+                      <a:round/>
+                      <a:headEnd type="none" w="med" len="med"/>
+                      <a:tailEnd type="none" w="med" len="med"/>
+                    </a:lnB>
+                    <a:lnTlToBr w="12700" cmpd="sng">
+                      <a:noFill/>
+                      <a:prstDash val="solid"/>
+                    </a:lnTlToBr>
+                    <a:lnBlToTr w="12700" cmpd="sng">
+                      <a:noFill/>
+                      <a:prstDash val="solid"/>
+                    </a:lnBlToTr>
+                  </a:tcPr>
+                </a:tc>
+                <a:extLst>
+                  <a:ext uri="{0D108BD9-81ED-4DB2-BD59-A6C34878D82A}">
+                    <a16:rowId xmlns:a16="http://schemas.microsoft.com/office/drawing/2014/main" val="3745420856"/>
+                  </a:ext>
+                </a:extLst>
+              </a:tr>
+              <a:tr h="489267">
+                <a:tc>
+                  <a:txBody>
+                    <a:bodyPr/>
+                    <a:lstStyle/>
+                    <a:p>
+                      <a:pPr algn="l" fontAlgn="ctr"/>
+                      <a:r>
+                        <a:rPr lang="en-US" sz="2600" u="none" strike="noStrike" dirty="0" err="1">
+                          <a:effectLst/>
+                        </a:rPr>
+                        <a:t>SeedPrice</a:t>
+                      </a:r>
+                      <a:endParaRPr lang="en-US" sz="2600" b="0" i="0" u="none" strike="noStrike" dirty="0">
+                        <a:solidFill>
+                          <a:srgbClr val="000000"/>
+                        </a:solidFill>
+                        <a:effectLst/>
+                        <a:latin typeface="맑은 고딕" panose="020B0503020000020004" pitchFamily="50" charset="-127"/>
+                        <a:ea typeface="맑은 고딕" panose="020B0503020000020004" pitchFamily="50" charset="-127"/>
+                      </a:endParaRPr>
+                    </a:p>
+                  </a:txBody>
+                  <a:tcPr marL="22239" marR="22239" marT="22239" marB="0" anchor="ctr">
+                    <a:lnL w="28575" cap="flat" cmpd="sng" algn="ctr">
+                      <a:solidFill>
+                        <a:schemeClr val="tx1"/>
+                      </a:solidFill>
+                      <a:prstDash val="solid"/>
+                      <a:round/>
+                      <a:headEnd type="none" w="med" len="med"/>
+                      <a:tailEnd type="none" w="med" len="med"/>
+                    </a:lnL>
+                    <a:lnR w="28575" cap="flat" cmpd="sng" algn="ctr">
+                      <a:solidFill>
+                        <a:schemeClr val="tx1"/>
+                      </a:solidFill>
+                      <a:prstDash val="solid"/>
+                      <a:round/>
+                      <a:headEnd type="none" w="med" len="med"/>
+                      <a:tailEnd type="none" w="med" len="med"/>
+                    </a:lnR>
+                    <a:lnT w="9525" cap="flat" cmpd="sng" algn="ctr">
+                      <a:solidFill>
+                        <a:schemeClr val="tx1"/>
+                      </a:solidFill>
+                      <a:prstDash val="solid"/>
+                      <a:round/>
+                      <a:headEnd type="none" w="med" len="med"/>
+                      <a:tailEnd type="none" w="med" len="med"/>
+                    </a:lnT>
+                    <a:lnB w="9525" cap="flat" cmpd="sng" algn="ctr">
+                      <a:solidFill>
+                        <a:schemeClr val="tx1"/>
+                      </a:solidFill>
+                      <a:prstDash val="solid"/>
+                      <a:round/>
+                      <a:headEnd type="none" w="med" len="med"/>
+                      <a:tailEnd type="none" w="med" len="med"/>
+                    </a:lnB>
+                    <a:lnTlToBr w="12700" cmpd="sng">
+                      <a:noFill/>
+                      <a:prstDash val="solid"/>
+                    </a:lnTlToBr>
+                    <a:lnBlToTr w="12700" cmpd="sng">
+                      <a:noFill/>
+                      <a:prstDash val="solid"/>
+                    </a:lnBlToTr>
+                  </a:tcPr>
+                </a:tc>
+                <a:extLst>
+                  <a:ext uri="{0D108BD9-81ED-4DB2-BD59-A6C34878D82A}">
+                    <a16:rowId xmlns:a16="http://schemas.microsoft.com/office/drawing/2014/main" val="931628305"/>
+                  </a:ext>
+                </a:extLst>
+              </a:tr>
+              <a:tr h="489267">
+                <a:tc>
+                  <a:txBody>
+                    <a:bodyPr/>
+                    <a:lstStyle/>
+                    <a:p>
+                      <a:pPr algn="l" fontAlgn="ctr"/>
+                      <a:endParaRPr lang="en-US" sz="2600" b="0" i="0" u="none" strike="noStrike" dirty="0">
+                        <a:solidFill>
+                          <a:srgbClr val="000000"/>
+                        </a:solidFill>
+                        <a:effectLst/>
+                        <a:latin typeface="맑은 고딕" panose="020B0503020000020004" pitchFamily="50" charset="-127"/>
+                        <a:ea typeface="맑은 고딕" panose="020B0503020000020004" pitchFamily="50" charset="-127"/>
+                      </a:endParaRPr>
+                    </a:p>
+                  </a:txBody>
+                  <a:tcPr marL="22239" marR="22239" marT="22239" marB="0" anchor="ctr">
+                    <a:lnL w="28575" cap="flat" cmpd="sng" algn="ctr">
+                      <a:solidFill>
+                        <a:schemeClr val="tx1"/>
+                      </a:solidFill>
+                      <a:prstDash val="solid"/>
+                      <a:round/>
+                      <a:headEnd type="none" w="med" len="med"/>
+                      <a:tailEnd type="none" w="med" len="med"/>
+                    </a:lnL>
+                    <a:lnR w="28575" cap="flat" cmpd="sng" algn="ctr">
+                      <a:solidFill>
+                        <a:schemeClr val="tx1"/>
+                      </a:solidFill>
+                      <a:prstDash val="solid"/>
+                      <a:round/>
+                      <a:headEnd type="none" w="med" len="med"/>
+                      <a:tailEnd type="none" w="med" len="med"/>
+                    </a:lnR>
+                    <a:lnT w="9525" cap="flat" cmpd="sng" algn="ctr">
+                      <a:solidFill>
+                        <a:schemeClr val="tx1"/>
+                      </a:solidFill>
+                      <a:prstDash val="solid"/>
+                      <a:round/>
+                      <a:headEnd type="none" w="med" len="med"/>
+                      <a:tailEnd type="none" w="med" len="med"/>
+                    </a:lnT>
+                    <a:lnB w="9525" cap="flat" cmpd="sng" algn="ctr">
+                      <a:solidFill>
+                        <a:schemeClr val="tx1"/>
+                      </a:solidFill>
+                      <a:prstDash val="solid"/>
+                      <a:round/>
+                      <a:headEnd type="none" w="med" len="med"/>
+                      <a:tailEnd type="none" w="med" len="med"/>
+                    </a:lnB>
+                    <a:lnTlToBr w="12700" cmpd="sng">
+                      <a:noFill/>
+                      <a:prstDash val="solid"/>
+                    </a:lnTlToBr>
+                    <a:lnBlToTr w="12700" cmpd="sng">
+                      <a:noFill/>
+                      <a:prstDash val="solid"/>
+                    </a:lnBlToTr>
+                  </a:tcPr>
+                </a:tc>
+                <a:extLst>
+                  <a:ext uri="{0D108BD9-81ED-4DB2-BD59-A6C34878D82A}">
+                    <a16:rowId xmlns:a16="http://schemas.microsoft.com/office/drawing/2014/main" val="2955766573"/>
+                  </a:ext>
+                </a:extLst>
+              </a:tr>
+              <a:tr h="489267">
+                <a:tc>
+                  <a:txBody>
+                    <a:bodyPr/>
+                    <a:lstStyle/>
+                    <a:p>
+                      <a:pPr algn="l" fontAlgn="ctr"/>
+                      <a:r>
+                        <a:rPr lang="ko-KR" altLang="en-US" sz="2600" u="none" strike="noStrike" dirty="0" err="1">
+                          <a:effectLst/>
+                        </a:rPr>
+                        <a:t>대표이미지</a:t>
+                      </a:r>
+                      <a:endParaRPr lang="ko-KR" altLang="en-US" sz="2600" b="0" i="0" u="none" strike="noStrike" dirty="0">
+                        <a:solidFill>
+                          <a:srgbClr val="000000"/>
+                        </a:solidFill>
+                        <a:effectLst/>
+                        <a:latin typeface="맑은 고딕" panose="020B0503020000020004" pitchFamily="50" charset="-127"/>
+                        <a:ea typeface="맑은 고딕" panose="020B0503020000020004" pitchFamily="50" charset="-127"/>
+                      </a:endParaRPr>
+                    </a:p>
+                  </a:txBody>
+                  <a:tcPr marL="22239" marR="22239" marT="22239" marB="0" anchor="ctr">
+                    <a:lnL w="28575" cap="flat" cmpd="sng" algn="ctr">
+                      <a:solidFill>
+                        <a:schemeClr val="tx1"/>
+                      </a:solidFill>
+                      <a:prstDash val="solid"/>
+                      <a:round/>
+                      <a:headEnd type="none" w="med" len="med"/>
+                      <a:tailEnd type="none" w="med" len="med"/>
+                    </a:lnL>
+                    <a:lnR w="28575" cap="flat" cmpd="sng" algn="ctr">
+                      <a:solidFill>
+                        <a:schemeClr val="tx1"/>
+                      </a:solidFill>
+                      <a:prstDash val="solid"/>
+                      <a:round/>
+                      <a:headEnd type="none" w="med" len="med"/>
+                      <a:tailEnd type="none" w="med" len="med"/>
+                    </a:lnR>
+                    <a:lnT w="9525" cap="flat" cmpd="sng" algn="ctr">
+                      <a:solidFill>
+                        <a:schemeClr val="tx1"/>
+                      </a:solidFill>
+                      <a:prstDash val="solid"/>
+                      <a:round/>
+                      <a:headEnd type="none" w="med" len="med"/>
+                      <a:tailEnd type="none" w="med" len="med"/>
+                    </a:lnT>
+                    <a:lnB w="9525" cap="flat" cmpd="sng" algn="ctr">
+                      <a:solidFill>
+                        <a:schemeClr val="tx1"/>
+                      </a:solidFill>
+                      <a:prstDash val="solid"/>
+                      <a:round/>
+                      <a:headEnd type="none" w="med" len="med"/>
+                      <a:tailEnd type="none" w="med" len="med"/>
+                    </a:lnB>
+                    <a:lnTlToBr w="12700" cmpd="sng">
+                      <a:noFill/>
+                      <a:prstDash val="solid"/>
+                    </a:lnTlToBr>
+                    <a:lnBlToTr w="12700" cmpd="sng">
+                      <a:noFill/>
+                      <a:prstDash val="solid"/>
+                    </a:lnBlToTr>
+                  </a:tcPr>
+                </a:tc>
+                <a:extLst>
+                  <a:ext uri="{0D108BD9-81ED-4DB2-BD59-A6C34878D82A}">
+                    <a16:rowId xmlns:a16="http://schemas.microsoft.com/office/drawing/2014/main" val="4045280827"/>
+                  </a:ext>
+                </a:extLst>
+              </a:tr>
+              <a:tr h="489267">
+                <a:tc>
+                  <a:txBody>
+                    <a:bodyPr/>
+                    <a:lstStyle/>
+                    <a:p>
+                      <a:pPr algn="l" fontAlgn="ctr"/>
+                      <a:r>
+                        <a:rPr lang="ko-KR" altLang="en-US" sz="2600" u="none" strike="noStrike" dirty="0" err="1">
+                          <a:effectLst/>
+                        </a:rPr>
+                        <a:t>파종이미지</a:t>
+                      </a:r>
+                      <a:endParaRPr lang="ko-KR" altLang="en-US" sz="2600" b="0" i="0" u="none" strike="noStrike" dirty="0">
+                        <a:solidFill>
+                          <a:srgbClr val="000000"/>
+                        </a:solidFill>
+                        <a:effectLst/>
+                        <a:latin typeface="맑은 고딕" panose="020B0503020000020004" pitchFamily="50" charset="-127"/>
+                        <a:ea typeface="맑은 고딕" panose="020B0503020000020004" pitchFamily="50" charset="-127"/>
+                      </a:endParaRPr>
+                    </a:p>
+                  </a:txBody>
+                  <a:tcPr marL="22239" marR="22239" marT="22239" marB="0" anchor="ctr">
+                    <a:lnL w="28575" cap="flat" cmpd="sng" algn="ctr">
+                      <a:solidFill>
+                        <a:schemeClr val="tx1"/>
+                      </a:solidFill>
+                      <a:prstDash val="solid"/>
+                      <a:round/>
+                      <a:headEnd type="none" w="med" len="med"/>
+                      <a:tailEnd type="none" w="med" len="med"/>
+                    </a:lnL>
+                    <a:lnR w="28575" cap="flat" cmpd="sng" algn="ctr">
+                      <a:solidFill>
+                        <a:schemeClr val="tx1"/>
+                      </a:solidFill>
+                      <a:prstDash val="solid"/>
+                      <a:round/>
+                      <a:headEnd type="none" w="med" len="med"/>
+                      <a:tailEnd type="none" w="med" len="med"/>
+                    </a:lnR>
+                    <a:lnT w="9525" cap="flat" cmpd="sng" algn="ctr">
+                      <a:solidFill>
+                        <a:schemeClr val="tx1"/>
+                      </a:solidFill>
+                      <a:prstDash val="solid"/>
+                      <a:round/>
+                      <a:headEnd type="none" w="med" len="med"/>
+                      <a:tailEnd type="none" w="med" len="med"/>
+                    </a:lnT>
+                    <a:lnB w="9525" cap="flat" cmpd="sng" algn="ctr">
+                      <a:solidFill>
+                        <a:schemeClr val="tx1"/>
+                      </a:solidFill>
+                      <a:prstDash val="solid"/>
+                      <a:round/>
+                      <a:headEnd type="none" w="med" len="med"/>
+                      <a:tailEnd type="none" w="med" len="med"/>
+                    </a:lnB>
+                    <a:lnTlToBr w="12700" cmpd="sng">
+                      <a:noFill/>
+                      <a:prstDash val="solid"/>
+                    </a:lnTlToBr>
+                    <a:lnBlToTr w="12700" cmpd="sng">
+                      <a:noFill/>
+                      <a:prstDash val="solid"/>
+                    </a:lnBlToTr>
+                  </a:tcPr>
+                </a:tc>
+                <a:extLst>
+                  <a:ext uri="{0D108BD9-81ED-4DB2-BD59-A6C34878D82A}">
+                    <a16:rowId xmlns:a16="http://schemas.microsoft.com/office/drawing/2014/main" val="3347507729"/>
+                  </a:ext>
+                </a:extLst>
+              </a:tr>
+              <a:tr h="489267">
+                <a:tc>
+                  <a:txBody>
+                    <a:bodyPr/>
+                    <a:lstStyle/>
+                    <a:p>
+                      <a:pPr algn="l" fontAlgn="ctr"/>
+                      <a:r>
+                        <a:rPr lang="ko-KR" altLang="en-US" sz="2600" u="none" strike="noStrike" dirty="0" err="1">
+                          <a:effectLst/>
+                        </a:rPr>
+                        <a:t>중간성장이미지</a:t>
+                      </a:r>
+                      <a:endParaRPr lang="ko-KR" altLang="en-US" sz="2600" b="0" i="0" u="none" strike="noStrike" dirty="0">
+                        <a:solidFill>
+                          <a:srgbClr val="000000"/>
+                        </a:solidFill>
+                        <a:effectLst/>
+                        <a:latin typeface="맑은 고딕" panose="020B0503020000020004" pitchFamily="50" charset="-127"/>
+                        <a:ea typeface="맑은 고딕" panose="020B0503020000020004" pitchFamily="50" charset="-127"/>
+                      </a:endParaRPr>
+                    </a:p>
+                  </a:txBody>
+                  <a:tcPr marL="22239" marR="22239" marT="22239" marB="0" anchor="ctr">
+                    <a:lnL w="28575" cap="flat" cmpd="sng" algn="ctr">
+                      <a:solidFill>
+                        <a:schemeClr val="tx1"/>
+                      </a:solidFill>
+                      <a:prstDash val="solid"/>
+                      <a:round/>
+                      <a:headEnd type="none" w="med" len="med"/>
+                      <a:tailEnd type="none" w="med" len="med"/>
+                    </a:lnL>
+                    <a:lnR w="28575" cap="flat" cmpd="sng" algn="ctr">
+                      <a:solidFill>
+                        <a:schemeClr val="tx1"/>
+                      </a:solidFill>
+                      <a:prstDash val="solid"/>
+                      <a:round/>
+                      <a:headEnd type="none" w="med" len="med"/>
+                      <a:tailEnd type="none" w="med" len="med"/>
+                    </a:lnR>
+                    <a:lnT w="9525" cap="flat" cmpd="sng" algn="ctr">
+                      <a:solidFill>
+                        <a:schemeClr val="tx1"/>
+                      </a:solidFill>
+                      <a:prstDash val="solid"/>
+                      <a:round/>
+                      <a:headEnd type="none" w="med" len="med"/>
+                      <a:tailEnd type="none" w="med" len="med"/>
+                    </a:lnT>
+                    <a:lnB w="9525" cap="flat" cmpd="sng" algn="ctr">
+                      <a:solidFill>
+                        <a:schemeClr val="tx1"/>
+                      </a:solidFill>
+                      <a:prstDash val="solid"/>
+                      <a:round/>
+                      <a:headEnd type="none" w="med" len="med"/>
+                      <a:tailEnd type="none" w="med" len="med"/>
+                    </a:lnB>
+                    <a:lnTlToBr w="12700" cmpd="sng">
+                      <a:noFill/>
+                      <a:prstDash val="solid"/>
+                    </a:lnTlToBr>
+                    <a:lnBlToTr w="12700" cmpd="sng">
+                      <a:noFill/>
+                      <a:prstDash val="solid"/>
+                    </a:lnBlToTr>
+                  </a:tcPr>
+                </a:tc>
+                <a:extLst>
+                  <a:ext uri="{0D108BD9-81ED-4DB2-BD59-A6C34878D82A}">
+                    <a16:rowId xmlns:a16="http://schemas.microsoft.com/office/drawing/2014/main" val="3097291585"/>
+                  </a:ext>
+                </a:extLst>
+              </a:tr>
+              <a:tr h="511506">
+                <a:tc>
+                  <a:txBody>
+                    <a:bodyPr/>
+                    <a:lstStyle/>
+                    <a:p>
+                      <a:pPr algn="l" fontAlgn="ctr"/>
+                      <a:r>
+                        <a:rPr lang="ko-KR" altLang="en-US" sz="2600" u="none" strike="noStrike" dirty="0" err="1">
+                          <a:effectLst/>
+                        </a:rPr>
+                        <a:t>완전성장이미지</a:t>
+                      </a:r>
+                      <a:endParaRPr lang="ko-KR" altLang="en-US" sz="2600" b="0" i="0" u="none" strike="noStrike" dirty="0">
+                        <a:solidFill>
+                          <a:srgbClr val="000000"/>
+                        </a:solidFill>
+                        <a:effectLst/>
+                        <a:latin typeface="맑은 고딕" panose="020B0503020000020004" pitchFamily="50" charset="-127"/>
+                        <a:ea typeface="맑은 고딕" panose="020B0503020000020004" pitchFamily="50" charset="-127"/>
+                      </a:endParaRPr>
+                    </a:p>
+                  </a:txBody>
+                  <a:tcPr marL="22239" marR="22239" marT="22239" marB="0" anchor="ctr">
+                    <a:lnL w="28575" cap="flat" cmpd="sng" algn="ctr">
+                      <a:solidFill>
+                        <a:schemeClr val="tx1"/>
+                      </a:solidFill>
+                      <a:prstDash val="solid"/>
+                      <a:round/>
+                      <a:headEnd type="none" w="med" len="med"/>
+                      <a:tailEnd type="none" w="med" len="med"/>
+                    </a:lnL>
+                    <a:lnR w="28575" cap="flat" cmpd="sng" algn="ctr">
+                      <a:solidFill>
+                        <a:schemeClr val="tx1"/>
+                      </a:solidFill>
+                      <a:prstDash val="solid"/>
+                      <a:round/>
+                      <a:headEnd type="none" w="med" len="med"/>
+                      <a:tailEnd type="none" w="med" len="med"/>
+                    </a:lnR>
+                    <a:lnT w="9525" cap="flat" cmpd="sng" algn="ctr">
+                      <a:solidFill>
+                        <a:schemeClr val="tx1"/>
+                      </a:solidFill>
+                      <a:prstDash val="solid"/>
+                      <a:round/>
+                      <a:headEnd type="none" w="med" len="med"/>
+                      <a:tailEnd type="none" w="med" len="med"/>
+                    </a:lnT>
+                    <a:lnB w="28575" cap="flat" cmpd="sng" algn="ctr">
+                      <a:solidFill>
+                        <a:schemeClr val="tx1"/>
+                      </a:solidFill>
+                      <a:prstDash val="solid"/>
+                      <a:round/>
+                      <a:headEnd type="none" w="med" len="med"/>
+                      <a:tailEnd type="none" w="med" len="med"/>
+                    </a:lnB>
+                    <a:lnTlToBr w="12700" cmpd="sng">
+                      <a:noFill/>
+                      <a:prstDash val="solid"/>
+                    </a:lnTlToBr>
+                    <a:lnBlToTr w="12700" cmpd="sng">
+                      <a:noFill/>
+                      <a:prstDash val="solid"/>
+                    </a:lnBlToTr>
+                  </a:tcPr>
+                </a:tc>
+                <a:extLst>
+                  <a:ext uri="{0D108BD9-81ED-4DB2-BD59-A6C34878D82A}">
+                    <a16:rowId xmlns:a16="http://schemas.microsoft.com/office/drawing/2014/main" val="1890538460"/>
+                  </a:ext>
+                </a:extLst>
+              </a:tr>
+            </a:tbl>
+          </a:graphicData>
+        </a:graphic>
+      </p:graphicFrame>
       <p:grpSp>
         <p:nvGrpSpPr>
           <p:cNvPr id="18" name="그룹 17">
@@ -6761,7 +7416,7 @@
         </p:nvGrpSpPr>
         <p:grpSpPr>
           <a:xfrm>
-            <a:off x="7887420" y="1631161"/>
+            <a:off x="7756793" y="1166705"/>
             <a:ext cx="2373769" cy="437505"/>
             <a:chOff x="5383928" y="2247900"/>
             <a:chExt cx="2078938" cy="437505"/>
@@ -6864,6 +7519,254 @@
           </p:txBody>
         </p:sp>
       </p:grpSp>
+      <p:grpSp>
+        <p:nvGrpSpPr>
+          <p:cNvPr id="13" name="그룹 12">
+            <a:extLst>
+              <a:ext uri="{FF2B5EF4-FFF2-40B4-BE49-F238E27FC236}">
+                <a16:creationId xmlns:a16="http://schemas.microsoft.com/office/drawing/2014/main" id="{03F01E2B-AD96-41B5-BA7D-D824ABEEE277}"/>
+              </a:ext>
+            </a:extLst>
+          </p:cNvPr>
+          <p:cNvGrpSpPr/>
+          <p:nvPr/>
+        </p:nvGrpSpPr>
+        <p:grpSpPr>
+          <a:xfrm>
+            <a:off x="1178567" y="2240663"/>
+            <a:ext cx="5396403" cy="2376674"/>
+            <a:chOff x="7280649" y="4038167"/>
+            <a:chExt cx="4217057" cy="2389089"/>
+          </a:xfrm>
+        </p:grpSpPr>
+        <p:sp>
+          <p:nvSpPr>
+            <p:cNvPr id="21" name="직사각형 20">
+              <a:extLst>
+                <a:ext uri="{FF2B5EF4-FFF2-40B4-BE49-F238E27FC236}">
+                  <a16:creationId xmlns:a16="http://schemas.microsoft.com/office/drawing/2014/main" id="{427C2FC9-EC96-4F55-98A6-9A5B2A723820}"/>
+                </a:ext>
+              </a:extLst>
+            </p:cNvPr>
+            <p:cNvSpPr/>
+            <p:nvPr/>
+          </p:nvSpPr>
+          <p:spPr>
+            <a:xfrm>
+              <a:off x="7280649" y="4038168"/>
+              <a:ext cx="4217057" cy="2389088"/>
+            </a:xfrm>
+            <a:prstGeom prst="rect">
+              <a:avLst/>
+            </a:prstGeom>
+            <a:solidFill>
+              <a:schemeClr val="tx1"/>
+            </a:solidFill>
+            <a:ln>
+              <a:solidFill>
+                <a:schemeClr val="tx1"/>
+              </a:solidFill>
+            </a:ln>
+          </p:spPr>
+          <p:style>
+            <a:lnRef idx="2">
+              <a:schemeClr val="accent1">
+                <a:shade val="50000"/>
+              </a:schemeClr>
+            </a:lnRef>
+            <a:fillRef idx="1">
+              <a:schemeClr val="accent1"/>
+            </a:fillRef>
+            <a:effectRef idx="0">
+              <a:schemeClr val="accent1"/>
+            </a:effectRef>
+            <a:fontRef idx="minor">
+              <a:schemeClr val="lt1"/>
+            </a:fontRef>
+          </p:style>
+          <p:txBody>
+            <a:bodyPr rtlCol="0" anchor="ctr"/>
+            <a:lstStyle/>
+            <a:p>
+              <a:pPr algn="ctr"/>
+              <a:endParaRPr lang="ko-KR" altLang="en-US"/>
+            </a:p>
+          </p:txBody>
+        </p:sp>
+        <p:sp>
+          <p:nvSpPr>
+            <p:cNvPr id="22" name="직사각형 21">
+              <a:extLst>
+                <a:ext uri="{FF2B5EF4-FFF2-40B4-BE49-F238E27FC236}">
+                  <a16:creationId xmlns:a16="http://schemas.microsoft.com/office/drawing/2014/main" id="{ADFF1AD5-2464-46FC-9974-5693C5726A88}"/>
+                </a:ext>
+              </a:extLst>
+            </p:cNvPr>
+            <p:cNvSpPr/>
+            <p:nvPr/>
+          </p:nvSpPr>
+          <p:spPr>
+            <a:xfrm>
+              <a:off x="7280649" y="4407499"/>
+              <a:ext cx="4217057" cy="2019757"/>
+            </a:xfrm>
+            <a:prstGeom prst="rect">
+              <a:avLst/>
+            </a:prstGeom>
+            <a:solidFill>
+              <a:schemeClr val="bg1"/>
+            </a:solidFill>
+            <a:ln>
+              <a:solidFill>
+                <a:schemeClr val="tx1"/>
+              </a:solidFill>
+            </a:ln>
+          </p:spPr>
+          <p:style>
+            <a:lnRef idx="2">
+              <a:schemeClr val="accent1">
+                <a:shade val="50000"/>
+              </a:schemeClr>
+            </a:lnRef>
+            <a:fillRef idx="1">
+              <a:schemeClr val="accent1"/>
+            </a:fillRef>
+            <a:effectRef idx="0">
+              <a:schemeClr val="accent1"/>
+            </a:effectRef>
+            <a:fontRef idx="minor">
+              <a:schemeClr val="lt1"/>
+            </a:fontRef>
+          </p:style>
+          <p:txBody>
+            <a:bodyPr rtlCol="0" anchor="ctr"/>
+            <a:lstStyle/>
+            <a:p>
+              <a:pPr marL="285750" indent="-285750">
+                <a:buFont typeface="Arial" panose="020B0604020202020204" pitchFamily="34" charset="0"/>
+                <a:buChar char="•"/>
+              </a:pPr>
+              <a:r>
+                <a:rPr lang="ko-KR" altLang="en-US" dirty="0">
+                  <a:solidFill>
+                    <a:schemeClr val="tx1"/>
+                  </a:solidFill>
+                </a:rPr>
+                <a:t>한 작물이 가져야하는 기본적인 데이터 정보</a:t>
+              </a:r>
+              <a:endParaRPr lang="en-US" altLang="ko-KR" dirty="0">
+                <a:solidFill>
+                  <a:schemeClr val="tx1"/>
+                </a:solidFill>
+              </a:endParaRPr>
+            </a:p>
+            <a:p>
+              <a:pPr marL="285750" indent="-285750">
+                <a:buFont typeface="Arial" panose="020B0604020202020204" pitchFamily="34" charset="0"/>
+                <a:buChar char="•"/>
+              </a:pPr>
+              <a:endParaRPr lang="en-US" altLang="ko-KR" dirty="0">
+                <a:solidFill>
+                  <a:schemeClr val="tx1"/>
+                </a:solidFill>
+              </a:endParaRPr>
+            </a:p>
+            <a:p>
+              <a:pPr marL="285750" indent="-285750">
+                <a:buFont typeface="Arial" panose="020B0604020202020204" pitchFamily="34" charset="0"/>
+                <a:buChar char="•"/>
+              </a:pPr>
+              <a:r>
+                <a:rPr lang="en-US" altLang="ko-KR" dirty="0">
+                  <a:solidFill>
+                    <a:schemeClr val="tx1"/>
+                  </a:solidFill>
+                </a:rPr>
+                <a:t>ID,</a:t>
+              </a:r>
+              <a:r>
+                <a:rPr lang="ko-KR" altLang="en-US" dirty="0">
+                  <a:solidFill>
+                    <a:schemeClr val="tx1"/>
+                  </a:solidFill>
+                </a:rPr>
+                <a:t> </a:t>
+              </a:r>
+              <a:r>
+                <a:rPr lang="en-US" altLang="ko-KR" dirty="0">
+                  <a:solidFill>
+                    <a:schemeClr val="tx1"/>
+                  </a:solidFill>
+                </a:rPr>
+                <a:t>Name, </a:t>
+              </a:r>
+              <a:r>
+                <a:rPr lang="en-US" altLang="ko-KR" dirty="0" err="1">
+                  <a:solidFill>
+                    <a:schemeClr val="tx1"/>
+                  </a:solidFill>
+                </a:rPr>
+                <a:t>SeedPrice</a:t>
+              </a:r>
+              <a:r>
+                <a:rPr lang="ko-KR" altLang="en-US" dirty="0">
+                  <a:solidFill>
+                    <a:schemeClr val="tx1"/>
+                  </a:solidFill>
+                </a:rPr>
+                <a:t>만 엑셀을 통해 관리한다</a:t>
+              </a:r>
+              <a:r>
+                <a:rPr lang="en-US" altLang="ko-KR" dirty="0">
+                  <a:solidFill>
+                    <a:schemeClr val="tx1"/>
+                  </a:solidFill>
+                </a:rPr>
+                <a:t>.</a:t>
+              </a:r>
+            </a:p>
+          </p:txBody>
+        </p:sp>
+        <p:sp>
+          <p:nvSpPr>
+            <p:cNvPr id="23" name="TextBox 22">
+              <a:extLst>
+                <a:ext uri="{FF2B5EF4-FFF2-40B4-BE49-F238E27FC236}">
+                  <a16:creationId xmlns:a16="http://schemas.microsoft.com/office/drawing/2014/main" id="{6ACE8681-971D-408C-9C20-B2CC10063EEF}"/>
+                </a:ext>
+              </a:extLst>
+            </p:cNvPr>
+            <p:cNvSpPr txBox="1"/>
+            <p:nvPr/>
+          </p:nvSpPr>
+          <p:spPr>
+            <a:xfrm>
+              <a:off x="7442366" y="4038167"/>
+              <a:ext cx="3881263" cy="513506"/>
+            </a:xfrm>
+            <a:prstGeom prst="rect">
+              <a:avLst/>
+            </a:prstGeom>
+            <a:noFill/>
+          </p:spPr>
+          <p:txBody>
+            <a:bodyPr wrap="square" rtlCol="0">
+              <a:spAutoFit/>
+            </a:bodyPr>
+            <a:lstStyle/>
+            <a:p>
+              <a:r>
+                <a:rPr lang="ko-KR" altLang="en-US" dirty="0">
+                  <a:solidFill>
+                    <a:schemeClr val="bg1"/>
+                  </a:solidFill>
+                </a:rPr>
+                <a:t>개요</a:t>
+              </a:r>
+            </a:p>
+          </p:txBody>
+        </p:sp>
+      </p:grpSp>
     </p:spTree>
     <p:extLst>
       <p:ext uri="{BB962C8B-B14F-4D97-AF65-F5344CB8AC3E}">
@@ -6877,7 +7780,7 @@
 </p:sld>
 </file>
 
-<file path=ppt/slides/slide4.xml><?xml version="1.0" encoding="utf-8"?>
+<file path=ppt/slides/slide6.xml><?xml version="1.0" encoding="utf-8"?>
 <p:sld xmlns:a="http://schemas.openxmlformats.org/drawingml/2006/main" xmlns:r="http://schemas.openxmlformats.org/officeDocument/2006/relationships" xmlns:p="http://schemas.openxmlformats.org/presentationml/2006/main">
   <p:cSld>
     <p:spTree>
@@ -6942,12 +7845,13 @@
             </a:bodyPr>
             <a:lstStyle/>
             <a:p>
-              <a:pPr marL="514350" indent="-514350">
-                <a:buAutoNum type="arabicPeriod"/>
-              </a:pPr>
+              <a:r>
+                <a:rPr lang="en-US" altLang="ko-KR" sz="2800" b="1" dirty="0"/>
+                <a:t>2. </a:t>
+              </a:r>
               <a:r>
                 <a:rPr lang="ko-KR" altLang="en-US" sz="2800" b="1" dirty="0"/>
-                <a:t>개요</a:t>
+                <a:t>작물</a:t>
               </a:r>
               <a:endParaRPr lang="en-US" altLang="ko-KR" sz="2800" b="1" dirty="0"/>
             </a:p>
@@ -9058,7 +9962,7 @@
 </p:sld>
 </file>
 
-<file path=ppt/slides/slide5.xml><?xml version="1.0" encoding="utf-8"?>
+<file path=ppt/slides/slide7.xml><?xml version="1.0" encoding="utf-8"?>
 <p:sld xmlns:a="http://schemas.openxmlformats.org/drawingml/2006/main" xmlns:r="http://schemas.openxmlformats.org/officeDocument/2006/relationships" xmlns:p="http://schemas.openxmlformats.org/presentationml/2006/main">
   <p:cSld>
     <p:spTree>
@@ -9123,12 +10027,13 @@
             </a:bodyPr>
             <a:lstStyle/>
             <a:p>
-              <a:pPr marL="514350" indent="-514350">
-                <a:buAutoNum type="arabicPeriod"/>
-              </a:pPr>
+              <a:r>
+                <a:rPr lang="en-US" altLang="ko-KR" sz="2800" b="1" dirty="0"/>
+                <a:t>3. </a:t>
+              </a:r>
               <a:r>
                 <a:rPr lang="ko-KR" altLang="en-US" sz="2800" b="1" dirty="0"/>
-                <a:t>개요</a:t>
+                <a:t>스킬</a:t>
               </a:r>
               <a:endParaRPr lang="en-US" altLang="ko-KR" sz="2800" b="1" dirty="0"/>
             </a:p>
@@ -9187,12 +10092,560 @@
           </p:txBody>
         </p:sp>
       </p:grpSp>
+      <p:graphicFrame>
+        <p:nvGraphicFramePr>
+          <p:cNvPr id="2" name="표 1">
+            <a:extLst>
+              <a:ext uri="{FF2B5EF4-FFF2-40B4-BE49-F238E27FC236}">
+                <a16:creationId xmlns:a16="http://schemas.microsoft.com/office/drawing/2014/main" id="{5B4E11CE-6A2B-4FA3-8D3C-813A1EB9BAD7}"/>
+              </a:ext>
+            </a:extLst>
+          </p:cNvPr>
+          <p:cNvGraphicFramePr>
+            <a:graphicFrameLocks noGrp="1"/>
+          </p:cNvGraphicFramePr>
+          <p:nvPr>
+            <p:extLst>
+              <p:ext uri="{D42A27DB-BD31-4B8C-83A1-F6EECF244321}">
+                <p14:modId xmlns:p14="http://schemas.microsoft.com/office/powerpoint/2010/main" val="3646094847"/>
+              </p:ext>
+            </p:extLst>
+          </p:nvPr>
+        </p:nvGraphicFramePr>
+        <p:xfrm>
+          <a:off x="8072101" y="2249015"/>
+          <a:ext cx="2508054" cy="3447108"/>
+        </p:xfrm>
+        <a:graphic>
+          <a:graphicData uri="http://schemas.openxmlformats.org/drawingml/2006/table">
+            <a:tbl>
+              <a:tblPr>
+                <a:tableStyleId>{5C22544A-7EE6-4342-B048-85BDC9FD1C3A}</a:tableStyleId>
+              </a:tblPr>
+              <a:tblGrid>
+                <a:gridCol w="2508054">
+                  <a:extLst>
+                    <a:ext uri="{9D8B030D-6E8A-4147-A177-3AD203B41FA5}">
+                      <a16:colId xmlns:a16="http://schemas.microsoft.com/office/drawing/2014/main" val="3010248146"/>
+                    </a:ext>
+                  </a:extLst>
+                </a:gridCol>
+              </a:tblGrid>
+              <a:tr h="489267">
+                <a:tc>
+                  <a:txBody>
+                    <a:bodyPr/>
+                    <a:lstStyle/>
+                    <a:p>
+                      <a:pPr algn="l" fontAlgn="ctr"/>
+                      <a:r>
+                        <a:rPr lang="en-US" sz="2600" u="none" strike="noStrike" dirty="0">
+                          <a:effectLst/>
+                        </a:rPr>
+                        <a:t>ID</a:t>
+                      </a:r>
+                      <a:endParaRPr lang="en-US" sz="2600" b="0" i="0" u="none" strike="noStrike" dirty="0">
+                        <a:solidFill>
+                          <a:srgbClr val="000000"/>
+                        </a:solidFill>
+                        <a:effectLst/>
+                        <a:latin typeface="맑은 고딕" panose="020B0503020000020004" pitchFamily="50" charset="-127"/>
+                        <a:ea typeface="맑은 고딕" panose="020B0503020000020004" pitchFamily="50" charset="-127"/>
+                      </a:endParaRPr>
+                    </a:p>
+                  </a:txBody>
+                  <a:tcPr marL="22239" marR="22239" marT="22239" marB="0" anchor="ctr">
+                    <a:lnL w="28575" cap="flat" cmpd="sng" algn="ctr">
+                      <a:solidFill>
+                        <a:schemeClr val="tx1"/>
+                      </a:solidFill>
+                      <a:prstDash val="solid"/>
+                      <a:round/>
+                      <a:headEnd type="none" w="med" len="med"/>
+                      <a:tailEnd type="none" w="med" len="med"/>
+                    </a:lnL>
+                    <a:lnR w="28575" cap="flat" cmpd="sng" algn="ctr">
+                      <a:solidFill>
+                        <a:schemeClr val="tx1"/>
+                      </a:solidFill>
+                      <a:prstDash val="solid"/>
+                      <a:round/>
+                      <a:headEnd type="none" w="med" len="med"/>
+                      <a:tailEnd type="none" w="med" len="med"/>
+                    </a:lnR>
+                    <a:lnT w="28575" cap="flat" cmpd="sng" algn="ctr">
+                      <a:solidFill>
+                        <a:schemeClr val="tx1"/>
+                      </a:solidFill>
+                      <a:prstDash val="solid"/>
+                      <a:round/>
+                      <a:headEnd type="none" w="med" len="med"/>
+                      <a:tailEnd type="none" w="med" len="med"/>
+                    </a:lnT>
+                    <a:lnB w="9525" cap="flat" cmpd="sng" algn="ctr">
+                      <a:solidFill>
+                        <a:schemeClr val="tx1"/>
+                      </a:solidFill>
+                      <a:prstDash val="solid"/>
+                      <a:round/>
+                      <a:headEnd type="none" w="med" len="med"/>
+                      <a:tailEnd type="none" w="med" len="med"/>
+                    </a:lnB>
+                    <a:lnTlToBr w="12700" cmpd="sng">
+                      <a:noFill/>
+                      <a:prstDash val="solid"/>
+                    </a:lnTlToBr>
+                    <a:lnBlToTr w="12700" cmpd="sng">
+                      <a:noFill/>
+                      <a:prstDash val="solid"/>
+                    </a:lnBlToTr>
+                  </a:tcPr>
+                </a:tc>
+                <a:extLst>
+                  <a:ext uri="{0D108BD9-81ED-4DB2-BD59-A6C34878D82A}">
+                    <a16:rowId xmlns:a16="http://schemas.microsoft.com/office/drawing/2014/main" val="1212622910"/>
+                  </a:ext>
+                </a:extLst>
+              </a:tr>
+              <a:tr h="489267">
+                <a:tc>
+                  <a:txBody>
+                    <a:bodyPr/>
+                    <a:lstStyle/>
+                    <a:p>
+                      <a:pPr algn="l" fontAlgn="ctr"/>
+                      <a:r>
+                        <a:rPr lang="en-US" sz="2600" u="none" strike="noStrike" dirty="0">
+                          <a:effectLst/>
+                        </a:rPr>
+                        <a:t>Name</a:t>
+                      </a:r>
+                      <a:endParaRPr lang="en-US" sz="2600" b="0" i="0" u="none" strike="noStrike" dirty="0">
+                        <a:solidFill>
+                          <a:srgbClr val="000000"/>
+                        </a:solidFill>
+                        <a:effectLst/>
+                        <a:latin typeface="맑은 고딕" panose="020B0503020000020004" pitchFamily="50" charset="-127"/>
+                        <a:ea typeface="맑은 고딕" panose="020B0503020000020004" pitchFamily="50" charset="-127"/>
+                      </a:endParaRPr>
+                    </a:p>
+                  </a:txBody>
+                  <a:tcPr marL="22239" marR="22239" marT="22239" marB="0" anchor="ctr">
+                    <a:lnL w="28575" cap="flat" cmpd="sng" algn="ctr">
+                      <a:solidFill>
+                        <a:schemeClr val="tx1"/>
+                      </a:solidFill>
+                      <a:prstDash val="solid"/>
+                      <a:round/>
+                      <a:headEnd type="none" w="med" len="med"/>
+                      <a:tailEnd type="none" w="med" len="med"/>
+                    </a:lnL>
+                    <a:lnR w="28575" cap="flat" cmpd="sng" algn="ctr">
+                      <a:solidFill>
+                        <a:schemeClr val="tx1"/>
+                      </a:solidFill>
+                      <a:prstDash val="solid"/>
+                      <a:round/>
+                      <a:headEnd type="none" w="med" len="med"/>
+                      <a:tailEnd type="none" w="med" len="med"/>
+                    </a:lnR>
+                    <a:lnT w="9525" cap="flat" cmpd="sng" algn="ctr">
+                      <a:solidFill>
+                        <a:schemeClr val="tx1"/>
+                      </a:solidFill>
+                      <a:prstDash val="solid"/>
+                      <a:round/>
+                      <a:headEnd type="none" w="med" len="med"/>
+                      <a:tailEnd type="none" w="med" len="med"/>
+                    </a:lnT>
+                    <a:lnB w="9525" cap="flat" cmpd="sng" algn="ctr">
+                      <a:solidFill>
+                        <a:schemeClr val="tx1"/>
+                      </a:solidFill>
+                      <a:prstDash val="solid"/>
+                      <a:round/>
+                      <a:headEnd type="none" w="med" len="med"/>
+                      <a:tailEnd type="none" w="med" len="med"/>
+                    </a:lnB>
+                    <a:lnTlToBr w="12700" cmpd="sng">
+                      <a:noFill/>
+                      <a:prstDash val="solid"/>
+                    </a:lnTlToBr>
+                    <a:lnBlToTr w="12700" cmpd="sng">
+                      <a:noFill/>
+                      <a:prstDash val="solid"/>
+                    </a:lnBlToTr>
+                  </a:tcPr>
+                </a:tc>
+                <a:extLst>
+                  <a:ext uri="{0D108BD9-81ED-4DB2-BD59-A6C34878D82A}">
+                    <a16:rowId xmlns:a16="http://schemas.microsoft.com/office/drawing/2014/main" val="3745420856"/>
+                  </a:ext>
+                </a:extLst>
+              </a:tr>
+              <a:tr h="489267">
+                <a:tc>
+                  <a:txBody>
+                    <a:bodyPr/>
+                    <a:lstStyle/>
+                    <a:p>
+                      <a:pPr algn="l" fontAlgn="ctr"/>
+                      <a:r>
+                        <a:rPr lang="en-US" sz="2600" b="0" i="0" u="none" strike="noStrike" dirty="0">
+                          <a:solidFill>
+                            <a:srgbClr val="000000"/>
+                          </a:solidFill>
+                          <a:effectLst/>
+                          <a:latin typeface="맑은 고딕" panose="020B0503020000020004" pitchFamily="50" charset="-127"/>
+                          <a:ea typeface="맑은 고딕" panose="020B0503020000020004" pitchFamily="50" charset="-127"/>
+                        </a:rPr>
+                        <a:t>LV</a:t>
+                      </a:r>
+                    </a:p>
+                  </a:txBody>
+                  <a:tcPr marL="22239" marR="22239" marT="22239" marB="0" anchor="ctr">
+                    <a:lnL w="28575" cap="flat" cmpd="sng" algn="ctr">
+                      <a:solidFill>
+                        <a:schemeClr val="tx1"/>
+                      </a:solidFill>
+                      <a:prstDash val="solid"/>
+                      <a:round/>
+                      <a:headEnd type="none" w="med" len="med"/>
+                      <a:tailEnd type="none" w="med" len="med"/>
+                    </a:lnL>
+                    <a:lnR w="28575" cap="flat" cmpd="sng" algn="ctr">
+                      <a:solidFill>
+                        <a:schemeClr val="tx1"/>
+                      </a:solidFill>
+                      <a:prstDash val="solid"/>
+                      <a:round/>
+                      <a:headEnd type="none" w="med" len="med"/>
+                      <a:tailEnd type="none" w="med" len="med"/>
+                    </a:lnR>
+                    <a:lnT w="9525" cap="flat" cmpd="sng" algn="ctr">
+                      <a:solidFill>
+                        <a:schemeClr val="tx1"/>
+                      </a:solidFill>
+                      <a:prstDash val="solid"/>
+                      <a:round/>
+                      <a:headEnd type="none" w="med" len="med"/>
+                      <a:tailEnd type="none" w="med" len="med"/>
+                    </a:lnT>
+                    <a:lnB w="9525" cap="flat" cmpd="sng" algn="ctr">
+                      <a:solidFill>
+                        <a:schemeClr val="tx1"/>
+                      </a:solidFill>
+                      <a:prstDash val="solid"/>
+                      <a:round/>
+                      <a:headEnd type="none" w="med" len="med"/>
+                      <a:tailEnd type="none" w="med" len="med"/>
+                    </a:lnB>
+                    <a:lnTlToBr w="12700" cmpd="sng">
+                      <a:noFill/>
+                      <a:prstDash val="solid"/>
+                    </a:lnTlToBr>
+                    <a:lnBlToTr w="12700" cmpd="sng">
+                      <a:noFill/>
+                      <a:prstDash val="solid"/>
+                    </a:lnBlToTr>
+                  </a:tcPr>
+                </a:tc>
+                <a:extLst>
+                  <a:ext uri="{0D108BD9-81ED-4DB2-BD59-A6C34878D82A}">
+                    <a16:rowId xmlns:a16="http://schemas.microsoft.com/office/drawing/2014/main" val="931628305"/>
+                  </a:ext>
+                </a:extLst>
+              </a:tr>
+              <a:tr h="489267">
+                <a:tc>
+                  <a:txBody>
+                    <a:bodyPr/>
+                    <a:lstStyle/>
+                    <a:p>
+                      <a:pPr algn="l" fontAlgn="ctr"/>
+                      <a:endParaRPr lang="ko-KR" altLang="en-US" sz="2600" b="0" i="0" u="none" strike="noStrike" dirty="0">
+                        <a:solidFill>
+                          <a:srgbClr val="000000"/>
+                        </a:solidFill>
+                        <a:effectLst/>
+                        <a:latin typeface="맑은 고딕" panose="020B0503020000020004" pitchFamily="50" charset="-127"/>
+                        <a:ea typeface="맑은 고딕" panose="020B0503020000020004" pitchFamily="50" charset="-127"/>
+                      </a:endParaRPr>
+                    </a:p>
+                  </a:txBody>
+                  <a:tcPr marL="22239" marR="22239" marT="22239" marB="0" anchor="ctr">
+                    <a:lnL w="28575" cap="flat" cmpd="sng" algn="ctr">
+                      <a:solidFill>
+                        <a:schemeClr val="tx1"/>
+                      </a:solidFill>
+                      <a:prstDash val="solid"/>
+                      <a:round/>
+                      <a:headEnd type="none" w="med" len="med"/>
+                      <a:tailEnd type="none" w="med" len="med"/>
+                    </a:lnL>
+                    <a:lnR w="28575" cap="flat" cmpd="sng" algn="ctr">
+                      <a:solidFill>
+                        <a:schemeClr val="tx1"/>
+                      </a:solidFill>
+                      <a:prstDash val="solid"/>
+                      <a:round/>
+                      <a:headEnd type="none" w="med" len="med"/>
+                      <a:tailEnd type="none" w="med" len="med"/>
+                    </a:lnR>
+                    <a:lnT w="9525" cap="flat" cmpd="sng" algn="ctr">
+                      <a:solidFill>
+                        <a:schemeClr val="tx1"/>
+                      </a:solidFill>
+                      <a:prstDash val="solid"/>
+                      <a:round/>
+                      <a:headEnd type="none" w="med" len="med"/>
+                      <a:tailEnd type="none" w="med" len="med"/>
+                    </a:lnT>
+                    <a:lnB w="9525" cap="flat" cmpd="sng" algn="ctr">
+                      <a:solidFill>
+                        <a:schemeClr val="tx1"/>
+                      </a:solidFill>
+                      <a:prstDash val="solid"/>
+                      <a:round/>
+                      <a:headEnd type="none" w="med" len="med"/>
+                      <a:tailEnd type="none" w="med" len="med"/>
+                    </a:lnB>
+                    <a:lnTlToBr w="12700" cmpd="sng">
+                      <a:noFill/>
+                      <a:prstDash val="solid"/>
+                    </a:lnTlToBr>
+                    <a:lnBlToTr w="12700" cmpd="sng">
+                      <a:noFill/>
+                      <a:prstDash val="solid"/>
+                    </a:lnBlToTr>
+                  </a:tcPr>
+                </a:tc>
+                <a:extLst>
+                  <a:ext uri="{0D108BD9-81ED-4DB2-BD59-A6C34878D82A}">
+                    <a16:rowId xmlns:a16="http://schemas.microsoft.com/office/drawing/2014/main" val="4045280827"/>
+                  </a:ext>
+                </a:extLst>
+              </a:tr>
+              <a:tr h="489267">
+                <a:tc>
+                  <a:txBody>
+                    <a:bodyPr/>
+                    <a:lstStyle/>
+                    <a:p>
+                      <a:pPr algn="l" fontAlgn="ctr"/>
+                      <a:endParaRPr lang="ko-KR" altLang="en-US" sz="2600" b="0" i="0" u="none" strike="noStrike" dirty="0">
+                        <a:solidFill>
+                          <a:srgbClr val="000000"/>
+                        </a:solidFill>
+                        <a:effectLst/>
+                        <a:latin typeface="맑은 고딕" panose="020B0503020000020004" pitchFamily="50" charset="-127"/>
+                        <a:ea typeface="맑은 고딕" panose="020B0503020000020004" pitchFamily="50" charset="-127"/>
+                      </a:endParaRPr>
+                    </a:p>
+                  </a:txBody>
+                  <a:tcPr marL="22239" marR="22239" marT="22239" marB="0" anchor="ctr">
+                    <a:lnL w="28575" cap="flat" cmpd="sng" algn="ctr">
+                      <a:solidFill>
+                        <a:schemeClr val="tx1"/>
+                      </a:solidFill>
+                      <a:prstDash val="solid"/>
+                      <a:round/>
+                      <a:headEnd type="none" w="med" len="med"/>
+                      <a:tailEnd type="none" w="med" len="med"/>
+                    </a:lnL>
+                    <a:lnR w="28575" cap="flat" cmpd="sng" algn="ctr">
+                      <a:solidFill>
+                        <a:schemeClr val="tx1"/>
+                      </a:solidFill>
+                      <a:prstDash val="solid"/>
+                      <a:round/>
+                      <a:headEnd type="none" w="med" len="med"/>
+                      <a:tailEnd type="none" w="med" len="med"/>
+                    </a:lnR>
+                    <a:lnT w="9525" cap="flat" cmpd="sng" algn="ctr">
+                      <a:solidFill>
+                        <a:schemeClr val="tx1"/>
+                      </a:solidFill>
+                      <a:prstDash val="solid"/>
+                      <a:round/>
+                      <a:headEnd type="none" w="med" len="med"/>
+                      <a:tailEnd type="none" w="med" len="med"/>
+                    </a:lnT>
+                    <a:lnB w="9525" cap="flat" cmpd="sng" algn="ctr">
+                      <a:solidFill>
+                        <a:schemeClr val="tx1"/>
+                      </a:solidFill>
+                      <a:prstDash val="solid"/>
+                      <a:round/>
+                      <a:headEnd type="none" w="med" len="med"/>
+                      <a:tailEnd type="none" w="med" len="med"/>
+                    </a:lnB>
+                    <a:lnTlToBr w="12700" cmpd="sng">
+                      <a:noFill/>
+                      <a:prstDash val="solid"/>
+                    </a:lnTlToBr>
+                    <a:lnBlToTr w="12700" cmpd="sng">
+                      <a:noFill/>
+                      <a:prstDash val="solid"/>
+                    </a:lnBlToTr>
+                  </a:tcPr>
+                </a:tc>
+                <a:extLst>
+                  <a:ext uri="{0D108BD9-81ED-4DB2-BD59-A6C34878D82A}">
+                    <a16:rowId xmlns:a16="http://schemas.microsoft.com/office/drawing/2014/main" val="3347507729"/>
+                  </a:ext>
+                </a:extLst>
+              </a:tr>
+              <a:tr h="489267">
+                <a:tc>
+                  <a:txBody>
+                    <a:bodyPr/>
+                    <a:lstStyle/>
+                    <a:p>
+                      <a:pPr algn="l" fontAlgn="ctr"/>
+                      <a:endParaRPr lang="ko-KR" altLang="en-US" sz="2600" b="0" i="0" u="none" strike="noStrike" dirty="0">
+                        <a:solidFill>
+                          <a:srgbClr val="000000"/>
+                        </a:solidFill>
+                        <a:effectLst/>
+                        <a:latin typeface="맑은 고딕" panose="020B0503020000020004" pitchFamily="50" charset="-127"/>
+                        <a:ea typeface="맑은 고딕" panose="020B0503020000020004" pitchFamily="50" charset="-127"/>
+                      </a:endParaRPr>
+                    </a:p>
+                  </a:txBody>
+                  <a:tcPr marL="22239" marR="22239" marT="22239" marB="0" anchor="ctr">
+                    <a:lnL w="28575" cap="flat" cmpd="sng" algn="ctr">
+                      <a:solidFill>
+                        <a:schemeClr val="tx1"/>
+                      </a:solidFill>
+                      <a:prstDash val="solid"/>
+                      <a:round/>
+                      <a:headEnd type="none" w="med" len="med"/>
+                      <a:tailEnd type="none" w="med" len="med"/>
+                    </a:lnL>
+                    <a:lnR w="28575" cap="flat" cmpd="sng" algn="ctr">
+                      <a:solidFill>
+                        <a:schemeClr val="tx1"/>
+                      </a:solidFill>
+                      <a:prstDash val="solid"/>
+                      <a:round/>
+                      <a:headEnd type="none" w="med" len="med"/>
+                      <a:tailEnd type="none" w="med" len="med"/>
+                    </a:lnR>
+                    <a:lnT w="9525" cap="flat" cmpd="sng" algn="ctr">
+                      <a:solidFill>
+                        <a:schemeClr val="tx1"/>
+                      </a:solidFill>
+                      <a:prstDash val="solid"/>
+                      <a:round/>
+                      <a:headEnd type="none" w="med" len="med"/>
+                      <a:tailEnd type="none" w="med" len="med"/>
+                    </a:lnT>
+                    <a:lnB w="9525" cap="flat" cmpd="sng" algn="ctr">
+                      <a:solidFill>
+                        <a:schemeClr val="tx1"/>
+                      </a:solidFill>
+                      <a:prstDash val="solid"/>
+                      <a:round/>
+                      <a:headEnd type="none" w="med" len="med"/>
+                      <a:tailEnd type="none" w="med" len="med"/>
+                    </a:lnB>
+                    <a:lnTlToBr w="12700" cmpd="sng">
+                      <a:noFill/>
+                      <a:prstDash val="solid"/>
+                    </a:lnTlToBr>
+                    <a:lnBlToTr w="12700" cmpd="sng">
+                      <a:noFill/>
+                      <a:prstDash val="solid"/>
+                    </a:lnBlToTr>
+                  </a:tcPr>
+                </a:tc>
+                <a:extLst>
+                  <a:ext uri="{0D108BD9-81ED-4DB2-BD59-A6C34878D82A}">
+                    <a16:rowId xmlns:a16="http://schemas.microsoft.com/office/drawing/2014/main" val="3097291585"/>
+                  </a:ext>
+                </a:extLst>
+              </a:tr>
+              <a:tr h="511506">
+                <a:tc>
+                  <a:txBody>
+                    <a:bodyPr/>
+                    <a:lstStyle/>
+                    <a:p>
+                      <a:pPr algn="l" fontAlgn="ctr"/>
+                      <a:endParaRPr lang="ko-KR" altLang="en-US" sz="2600" b="0" i="0" u="none" strike="noStrike" dirty="0">
+                        <a:solidFill>
+                          <a:srgbClr val="000000"/>
+                        </a:solidFill>
+                        <a:effectLst/>
+                        <a:latin typeface="맑은 고딕" panose="020B0503020000020004" pitchFamily="50" charset="-127"/>
+                        <a:ea typeface="맑은 고딕" panose="020B0503020000020004" pitchFamily="50" charset="-127"/>
+                      </a:endParaRPr>
+                    </a:p>
+                  </a:txBody>
+                  <a:tcPr marL="22239" marR="22239" marT="22239" marB="0" anchor="ctr">
+                    <a:lnL w="28575" cap="flat" cmpd="sng" algn="ctr">
+                      <a:solidFill>
+                        <a:schemeClr val="tx1"/>
+                      </a:solidFill>
+                      <a:prstDash val="solid"/>
+                      <a:round/>
+                      <a:headEnd type="none" w="med" len="med"/>
+                      <a:tailEnd type="none" w="med" len="med"/>
+                    </a:lnL>
+                    <a:lnR w="28575" cap="flat" cmpd="sng" algn="ctr">
+                      <a:solidFill>
+                        <a:schemeClr val="tx1"/>
+                      </a:solidFill>
+                      <a:prstDash val="solid"/>
+                      <a:round/>
+                      <a:headEnd type="none" w="med" len="med"/>
+                      <a:tailEnd type="none" w="med" len="med"/>
+                    </a:lnR>
+                    <a:lnT w="9525" cap="flat" cmpd="sng" algn="ctr">
+                      <a:solidFill>
+                        <a:schemeClr val="tx1"/>
+                      </a:solidFill>
+                      <a:prstDash val="solid"/>
+                      <a:round/>
+                      <a:headEnd type="none" w="med" len="med"/>
+                      <a:tailEnd type="none" w="med" len="med"/>
+                    </a:lnT>
+                    <a:lnB w="28575" cap="flat" cmpd="sng" algn="ctr">
+                      <a:solidFill>
+                        <a:schemeClr val="tx1"/>
+                      </a:solidFill>
+                      <a:prstDash val="solid"/>
+                      <a:round/>
+                      <a:headEnd type="none" w="med" len="med"/>
+                      <a:tailEnd type="none" w="med" len="med"/>
+                    </a:lnB>
+                    <a:lnTlToBr w="12700" cmpd="sng">
+                      <a:noFill/>
+                      <a:prstDash val="solid"/>
+                    </a:lnTlToBr>
+                    <a:lnBlToTr w="12700" cmpd="sng">
+                      <a:noFill/>
+                      <a:prstDash val="solid"/>
+                    </a:lnBlToTr>
+                  </a:tcPr>
+                </a:tc>
+                <a:extLst>
+                  <a:ext uri="{0D108BD9-81ED-4DB2-BD59-A6C34878D82A}">
+                    <a16:rowId xmlns:a16="http://schemas.microsoft.com/office/drawing/2014/main" val="1890538460"/>
+                  </a:ext>
+                </a:extLst>
+              </a:tr>
+            </a:tbl>
+          </a:graphicData>
+        </a:graphic>
+      </p:graphicFrame>
       <p:grpSp>
         <p:nvGrpSpPr>
-          <p:cNvPr id="13" name="그룹 12">
+          <p:cNvPr id="18" name="그룹 17">
             <a:extLst>
               <a:ext uri="{FF2B5EF4-FFF2-40B4-BE49-F238E27FC236}">
-                <a16:creationId xmlns:a16="http://schemas.microsoft.com/office/drawing/2014/main" id="{7450F37F-DCF8-4906-BC26-F28E353B1317}"/>
+                <a16:creationId xmlns:a16="http://schemas.microsoft.com/office/drawing/2014/main" id="{5B542E5A-D625-49EF-81FA-43F62BE5C9E8}"/>
               </a:ext>
             </a:extLst>
           </p:cNvPr>
@@ -9201,8 +10654,125 @@
         </p:nvGrpSpPr>
         <p:grpSpPr>
           <a:xfrm>
-            <a:off x="3169181" y="2457832"/>
-            <a:ext cx="5853637" cy="1942335"/>
+            <a:off x="8061593" y="1703733"/>
+            <a:ext cx="2373769" cy="437505"/>
+            <a:chOff x="5383928" y="2247900"/>
+            <a:chExt cx="2078938" cy="437505"/>
+          </a:xfrm>
+        </p:grpSpPr>
+        <p:sp>
+          <p:nvSpPr>
+            <p:cNvPr id="19" name="화살표: 오각형 18">
+              <a:extLst>
+                <a:ext uri="{FF2B5EF4-FFF2-40B4-BE49-F238E27FC236}">
+                  <a16:creationId xmlns:a16="http://schemas.microsoft.com/office/drawing/2014/main" id="{A1842696-A447-419E-9596-5624B22EAB36}"/>
+                </a:ext>
+              </a:extLst>
+            </p:cNvPr>
+            <p:cNvSpPr/>
+            <p:nvPr/>
+          </p:nvSpPr>
+          <p:spPr>
+            <a:xfrm>
+              <a:off x="5383928" y="2247900"/>
+              <a:ext cx="2078938" cy="437505"/>
+            </a:xfrm>
+            <a:prstGeom prst="homePlate">
+              <a:avLst>
+                <a:gd name="adj" fmla="val 30404"/>
+              </a:avLst>
+            </a:prstGeom>
+            <a:solidFill>
+              <a:schemeClr val="bg1"/>
+            </a:solidFill>
+            <a:ln w="28575">
+              <a:solidFill>
+                <a:schemeClr val="tx1"/>
+              </a:solidFill>
+            </a:ln>
+          </p:spPr>
+          <p:style>
+            <a:lnRef idx="2">
+              <a:schemeClr val="accent1">
+                <a:shade val="50000"/>
+              </a:schemeClr>
+            </a:lnRef>
+            <a:fillRef idx="1">
+              <a:schemeClr val="accent1"/>
+            </a:fillRef>
+            <a:effectRef idx="0">
+              <a:schemeClr val="accent1"/>
+            </a:effectRef>
+            <a:fontRef idx="minor">
+              <a:schemeClr val="lt1"/>
+            </a:fontRef>
+          </p:style>
+          <p:txBody>
+            <a:bodyPr rtlCol="0" anchor="ctr"/>
+            <a:lstStyle/>
+            <a:p>
+              <a:pPr algn="ctr"/>
+              <a:endParaRPr lang="ko-KR" altLang="en-US" dirty="0">
+                <a:solidFill>
+                  <a:schemeClr val="tx1"/>
+                </a:solidFill>
+              </a:endParaRPr>
+            </a:p>
+          </p:txBody>
+        </p:sp>
+        <p:sp>
+          <p:nvSpPr>
+            <p:cNvPr id="20" name="TextBox 19">
+              <a:extLst>
+                <a:ext uri="{FF2B5EF4-FFF2-40B4-BE49-F238E27FC236}">
+                  <a16:creationId xmlns:a16="http://schemas.microsoft.com/office/drawing/2014/main" id="{C2C15F43-9E6D-4216-B48C-FA690AFAEFFA}"/>
+                </a:ext>
+              </a:extLst>
+            </p:cNvPr>
+            <p:cNvSpPr txBox="1"/>
+            <p:nvPr/>
+          </p:nvSpPr>
+          <p:spPr>
+            <a:xfrm>
+              <a:off x="5393131" y="2281986"/>
+              <a:ext cx="1041978" cy="369332"/>
+            </a:xfrm>
+            <a:prstGeom prst="rect">
+              <a:avLst/>
+            </a:prstGeom>
+            <a:noFill/>
+          </p:spPr>
+          <p:txBody>
+            <a:bodyPr wrap="none" rtlCol="0">
+              <a:spAutoFit/>
+            </a:bodyPr>
+            <a:lstStyle/>
+            <a:p>
+              <a:r>
+                <a:rPr lang="ko-KR" altLang="en-US" dirty="0"/>
+                <a:t>데이터 셋</a:t>
+              </a:r>
+              <a:endParaRPr lang="en-US" altLang="ko-KR" dirty="0"/>
+            </a:p>
+          </p:txBody>
+        </p:sp>
+      </p:grpSp>
+      <p:grpSp>
+        <p:nvGrpSpPr>
+          <p:cNvPr id="13" name="그룹 12">
+            <a:extLst>
+              <a:ext uri="{FF2B5EF4-FFF2-40B4-BE49-F238E27FC236}">
+                <a16:creationId xmlns:a16="http://schemas.microsoft.com/office/drawing/2014/main" id="{03F01E2B-AD96-41B5-BA7D-D824ABEEE277}"/>
+              </a:ext>
+            </a:extLst>
+          </p:cNvPr>
+          <p:cNvGrpSpPr/>
+          <p:nvPr/>
+        </p:nvGrpSpPr>
+        <p:grpSpPr>
+          <a:xfrm>
+            <a:off x="1193081" y="2559978"/>
+            <a:ext cx="5396403" cy="2376674"/>
             <a:chOff x="7280649" y="4038167"/>
             <a:chExt cx="4217057" cy="2389089"/>
           </a:xfrm>
@@ -9212,7 +10782,7 @@
             <p:cNvPr id="21" name="직사각형 20">
               <a:extLst>
                 <a:ext uri="{FF2B5EF4-FFF2-40B4-BE49-F238E27FC236}">
-                  <a16:creationId xmlns:a16="http://schemas.microsoft.com/office/drawing/2014/main" id="{B5456E05-1744-4D57-95D9-E9FB9B02A77F}"/>
+                  <a16:creationId xmlns:a16="http://schemas.microsoft.com/office/drawing/2014/main" id="{427C2FC9-EC96-4F55-98A6-9A5B2A723820}"/>
                 </a:ext>
               </a:extLst>
             </p:cNvPr>
@@ -9266,7 +10836,7 @@
             <p:cNvPr id="22" name="직사각형 21">
               <a:extLst>
                 <a:ext uri="{FF2B5EF4-FFF2-40B4-BE49-F238E27FC236}">
-                  <a16:creationId xmlns:a16="http://schemas.microsoft.com/office/drawing/2014/main" id="{FD31C090-7D3C-41F9-923A-977338E54C50}"/>
+                  <a16:creationId xmlns:a16="http://schemas.microsoft.com/office/drawing/2014/main" id="{ADFF1AD5-2464-46FC-9974-5693C5726A88}"/>
                 </a:ext>
               </a:extLst>
             </p:cNvPr>
@@ -9320,31 +10890,7 @@
                     <a:schemeClr val="tx1"/>
                   </a:solidFill>
                 </a:rPr>
-                <a:t>세부 데이터는 </a:t>
-              </a:r>
-              <a:r>
-                <a:rPr lang="ko-KR" altLang="en-US" i="1" dirty="0">
-                  <a:solidFill>
-                    <a:schemeClr val="tx1"/>
-                  </a:solidFill>
-                </a:rPr>
-                <a:t>콘텐츠 리소스</a:t>
-              </a:r>
-              <a:r>
-                <a:rPr lang="en-US" altLang="ko-KR" i="1" dirty="0">
-                  <a:solidFill>
-                    <a:schemeClr val="tx1"/>
-                  </a:solidFill>
-                </a:rPr>
-                <a:t>.xlsx </a:t>
-              </a:r>
-              <a:r>
-                <a:rPr lang="ko-KR" altLang="en-US" dirty="0">
-                  <a:solidFill>
-                    <a:schemeClr val="tx1"/>
-                  </a:solidFill>
-                </a:rPr>
-                <a:t>파일 참고</a:t>
+                <a:t>한 스킬이 가져야하는 기본적인 데이터 정보</a:t>
               </a:r>
               <a:endParaRPr lang="en-US" altLang="ko-KR" dirty="0">
                 <a:solidFill>
@@ -9359,7 +10905,7 @@
             <p:cNvPr id="23" name="TextBox 22">
               <a:extLst>
                 <a:ext uri="{FF2B5EF4-FFF2-40B4-BE49-F238E27FC236}">
-                  <a16:creationId xmlns:a16="http://schemas.microsoft.com/office/drawing/2014/main" id="{E7FE62E6-2816-401B-83BF-84B14C9CDCAA}"/>
+                  <a16:creationId xmlns:a16="http://schemas.microsoft.com/office/drawing/2014/main" id="{6ACE8681-971D-408C-9C20-B2CC10063EEF}"/>
                 </a:ext>
               </a:extLst>
             </p:cNvPr>
@@ -9397,7 +10943,7 @@
     </p:spTree>
     <p:extLst>
       <p:ext uri="{BB962C8B-B14F-4D97-AF65-F5344CB8AC3E}">
-        <p14:creationId xmlns:p14="http://schemas.microsoft.com/office/powerpoint/2010/main" val="2142841977"/>
+        <p14:creationId xmlns:p14="http://schemas.microsoft.com/office/powerpoint/2010/main" val="1711573003"/>
       </p:ext>
     </p:extLst>
   </p:cSld>
